--- a/STEM Grad Students.pptx
+++ b/STEM Grad Students.pptx
@@ -717,7 +717,7 @@
           <a:bodyPr/>
           <a:lstStyle/>
           <a:p>
-            <a:endParaRPr lang="en-US"/>
+            <a:endParaRPr lang="en-US" dirty="0"/>
           </a:p>
         </p:txBody>
       </p:sp>
@@ -1053,7 +1053,37 @@
           <a:bodyPr/>
           <a:lstStyle/>
           <a:p>
-            <a:endParaRPr lang="en-US"/>
+            <a:r>
+              <a:rPr lang="en-US" dirty="0"/>
+              <a:t>13 NA’s in gender</a:t>
+            </a:r>
+          </a:p>
+          <a:p>
+            <a:r>
+              <a:rPr lang="en-US" dirty="0"/>
+              <a:t>Country plot – 3</a:t>
+            </a:r>
+            <a:r>
+              <a:rPr lang="en-US" baseline="30000" dirty="0"/>
+              <a:t>rd</a:t>
+            </a:r>
+            <a:r>
+              <a:rPr lang="en-US" dirty="0"/>
+              <a:t>  </a:t>
+            </a:r>
+            <a:r>
+              <a:rPr lang="en-US"/>
+              <a:t>highest (after India) is </a:t>
+            </a:r>
+            <a:r>
+              <a:rPr lang="en-US" dirty="0"/>
+              <a:t>less </a:t>
+            </a:r>
+            <a:r>
+              <a:rPr lang="en-US"/>
+              <a:t>than 30</a:t>
+            </a:r>
+            <a:endParaRPr lang="en-US" dirty="0"/>
           </a:p>
         </p:txBody>
       </p:sp>
@@ -1902,45 +1932,6 @@
           </a:p>
         </p:txBody>
       </p:sp>
-      <p:sp>
-        <p:nvSpPr>
-          <p:cNvPr id="9" name="TextBox 8">
-            <a:extLst>
-              <a:ext uri="{FF2B5EF4-FFF2-40B4-BE49-F238E27FC236}">
-                <a16:creationId xmlns:a16="http://schemas.microsoft.com/office/drawing/2014/main" id="{F0677F9C-777B-824B-9447-11C653DBCC4F}"/>
-              </a:ext>
-            </a:extLst>
-          </p:cNvPr>
-          <p:cNvSpPr txBox="1"/>
-          <p:nvPr userDrawn="1"/>
-        </p:nvSpPr>
-        <p:spPr>
-          <a:xfrm>
-            <a:off x="249459" y="4730098"/>
-            <a:ext cx="3613600" cy="230832"/>
-          </a:xfrm>
-          <a:prstGeom prst="rect">
-            <a:avLst/>
-          </a:prstGeom>
-          <a:noFill/>
-        </p:spPr>
-        <p:txBody>
-          <a:bodyPr wrap="square" rtlCol="0" anchor="ctr">
-            <a:spAutoFit/>
-          </a:bodyPr>
-          <a:lstStyle/>
-          <a:p>
-            <a:r>
-              <a:rPr lang="en-US" sz="900" dirty="0">
-                <a:solidFill>
-                  <a:schemeClr val="bg1"/>
-                </a:solidFill>
-              </a:rPr>
-              <a:t>INDIANA UNIVERSITY BLOOMINGTON</a:t>
-            </a:r>
-          </a:p>
-        </p:txBody>
-      </p:sp>
       <p:pic>
         <p:nvPicPr>
           <p:cNvPr id="13" name="Picture 12">
@@ -2214,45 +2205,6 @@
           </a:p>
         </p:txBody>
       </p:sp>
-      <p:sp>
-        <p:nvSpPr>
-          <p:cNvPr id="11" name="TextBox 10">
-            <a:extLst>
-              <a:ext uri="{FF2B5EF4-FFF2-40B4-BE49-F238E27FC236}">
-                <a16:creationId xmlns:a16="http://schemas.microsoft.com/office/drawing/2014/main" id="{41DDCA7A-03B7-A742-942F-BEBFB05EA3CE}"/>
-              </a:ext>
-            </a:extLst>
-          </p:cNvPr>
-          <p:cNvSpPr txBox="1"/>
-          <p:nvPr userDrawn="1"/>
-        </p:nvSpPr>
-        <p:spPr>
-          <a:xfrm>
-            <a:off x="249459" y="4730098"/>
-            <a:ext cx="3613600" cy="230832"/>
-          </a:xfrm>
-          <a:prstGeom prst="rect">
-            <a:avLst/>
-          </a:prstGeom>
-          <a:noFill/>
-        </p:spPr>
-        <p:txBody>
-          <a:bodyPr wrap="square" rtlCol="0" anchor="ctr">
-            <a:spAutoFit/>
-          </a:bodyPr>
-          <a:lstStyle/>
-          <a:p>
-            <a:r>
-              <a:rPr lang="en-US" sz="900" dirty="0">
-                <a:solidFill>
-                  <a:schemeClr val="bg1"/>
-                </a:solidFill>
-              </a:rPr>
-              <a:t>INDIANA UNIVERSITY BLOOMINGTON</a:t>
-            </a:r>
-          </a:p>
-        </p:txBody>
-      </p:sp>
       <p:pic>
         <p:nvPicPr>
           <p:cNvPr id="12" name="Picture 11">
@@ -3169,45 +3121,6 @@
           </a:p>
         </p:txBody>
       </p:sp>
-      <p:sp>
-        <p:nvSpPr>
-          <p:cNvPr id="15" name="TextBox 14">
-            <a:extLst>
-              <a:ext uri="{FF2B5EF4-FFF2-40B4-BE49-F238E27FC236}">
-                <a16:creationId xmlns:a16="http://schemas.microsoft.com/office/drawing/2014/main" id="{83C374B8-B479-4346-A54D-C9BCEB4872C2}"/>
-              </a:ext>
-            </a:extLst>
-          </p:cNvPr>
-          <p:cNvSpPr txBox="1"/>
-          <p:nvPr userDrawn="1"/>
-        </p:nvSpPr>
-        <p:spPr>
-          <a:xfrm>
-            <a:off x="249459" y="4730098"/>
-            <a:ext cx="3613600" cy="230832"/>
-          </a:xfrm>
-          <a:prstGeom prst="rect">
-            <a:avLst/>
-          </a:prstGeom>
-          <a:noFill/>
-        </p:spPr>
-        <p:txBody>
-          <a:bodyPr wrap="square" rtlCol="0" anchor="ctr">
-            <a:spAutoFit/>
-          </a:bodyPr>
-          <a:lstStyle/>
-          <a:p>
-            <a:r>
-              <a:rPr lang="en-US" sz="900" dirty="0">
-                <a:solidFill>
-                  <a:schemeClr val="bg1"/>
-                </a:solidFill>
-              </a:rPr>
-              <a:t>INDIANA UNIVERSITY BLOOMINGTON</a:t>
-            </a:r>
-          </a:p>
-        </p:txBody>
-      </p:sp>
       <p:pic>
         <p:nvPicPr>
           <p:cNvPr id="17" name="Picture 16">
@@ -3357,45 +3270,6 @@
               <a:t>Click icon to add picture</a:t>
             </a:r>
             <a:endParaRPr lang="en-US" dirty="0"/>
-          </a:p>
-        </p:txBody>
-      </p:sp>
-      <p:sp>
-        <p:nvSpPr>
-          <p:cNvPr id="9" name="TextBox 8">
-            <a:extLst>
-              <a:ext uri="{FF2B5EF4-FFF2-40B4-BE49-F238E27FC236}">
-                <a16:creationId xmlns:a16="http://schemas.microsoft.com/office/drawing/2014/main" id="{BDA01BD1-EDC8-654F-B0BC-CA7AEDB213DF}"/>
-              </a:ext>
-            </a:extLst>
-          </p:cNvPr>
-          <p:cNvSpPr txBox="1"/>
-          <p:nvPr userDrawn="1"/>
-        </p:nvSpPr>
-        <p:spPr>
-          <a:xfrm>
-            <a:off x="249459" y="4730098"/>
-            <a:ext cx="3613600" cy="230832"/>
-          </a:xfrm>
-          <a:prstGeom prst="rect">
-            <a:avLst/>
-          </a:prstGeom>
-          <a:noFill/>
-        </p:spPr>
-        <p:txBody>
-          <a:bodyPr wrap="square" rtlCol="0" anchor="ctr">
-            <a:spAutoFit/>
-          </a:bodyPr>
-          <a:lstStyle/>
-          <a:p>
-            <a:r>
-              <a:rPr lang="en-US" sz="900" dirty="0">
-                <a:solidFill>
-                  <a:schemeClr val="bg1"/>
-                </a:solidFill>
-              </a:rPr>
-              <a:t>INDIANA UNIVERSITY BLOOMINGTON</a:t>
-            </a:r>
           </a:p>
         </p:txBody>
       </p:sp>
@@ -4184,45 +4058,6 @@
           </a:p>
         </p:txBody>
       </p:sp>
-      <p:sp>
-        <p:nvSpPr>
-          <p:cNvPr id="8" name="TextBox 7">
-            <a:extLst>
-              <a:ext uri="{FF2B5EF4-FFF2-40B4-BE49-F238E27FC236}">
-                <a16:creationId xmlns:a16="http://schemas.microsoft.com/office/drawing/2014/main" id="{745FD385-09FF-4646-A2A1-16EC973C8B3E}"/>
-              </a:ext>
-            </a:extLst>
-          </p:cNvPr>
-          <p:cNvSpPr txBox="1"/>
-          <p:nvPr userDrawn="1"/>
-        </p:nvSpPr>
-        <p:spPr>
-          <a:xfrm>
-            <a:off x="249459" y="4730098"/>
-            <a:ext cx="3613600" cy="230832"/>
-          </a:xfrm>
-          <a:prstGeom prst="rect">
-            <a:avLst/>
-          </a:prstGeom>
-          <a:noFill/>
-        </p:spPr>
-        <p:txBody>
-          <a:bodyPr wrap="square" rtlCol="0" anchor="ctr">
-            <a:spAutoFit/>
-          </a:bodyPr>
-          <a:lstStyle/>
-          <a:p>
-            <a:r>
-              <a:rPr lang="en-US" sz="900" dirty="0">
-                <a:solidFill>
-                  <a:schemeClr val="tx1"/>
-                </a:solidFill>
-              </a:rPr>
-              <a:t>INDIANA UNIVERSITY BLOOMINGTON</a:t>
-            </a:r>
-          </a:p>
-        </p:txBody>
-      </p:sp>
       <p:pic>
         <p:nvPicPr>
           <p:cNvPr id="11" name="Picture 10">
@@ -4491,45 +4326,6 @@
           </a:p>
         </p:txBody>
       </p:sp>
-      <p:sp>
-        <p:nvSpPr>
-          <p:cNvPr id="12" name="TextBox 11">
-            <a:extLst>
-              <a:ext uri="{FF2B5EF4-FFF2-40B4-BE49-F238E27FC236}">
-                <a16:creationId xmlns:a16="http://schemas.microsoft.com/office/drawing/2014/main" id="{FE601522-F9F8-3B4D-B3C2-33C3574992E6}"/>
-              </a:ext>
-            </a:extLst>
-          </p:cNvPr>
-          <p:cNvSpPr txBox="1"/>
-          <p:nvPr userDrawn="1"/>
-        </p:nvSpPr>
-        <p:spPr>
-          <a:xfrm>
-            <a:off x="249459" y="4730098"/>
-            <a:ext cx="3613600" cy="230832"/>
-          </a:xfrm>
-          <a:prstGeom prst="rect">
-            <a:avLst/>
-          </a:prstGeom>
-          <a:noFill/>
-        </p:spPr>
-        <p:txBody>
-          <a:bodyPr wrap="square" rtlCol="0" anchor="ctr">
-            <a:spAutoFit/>
-          </a:bodyPr>
-          <a:lstStyle/>
-          <a:p>
-            <a:r>
-              <a:rPr lang="en-US" sz="900" dirty="0">
-                <a:solidFill>
-                  <a:schemeClr val="tx1"/>
-                </a:solidFill>
-              </a:rPr>
-              <a:t>INDIANA UNIVERSITY BLOOMINGTON</a:t>
-            </a:r>
-          </a:p>
-        </p:txBody>
-      </p:sp>
       <p:pic>
         <p:nvPicPr>
           <p:cNvPr id="13" name="Picture 12">
@@ -4811,45 +4607,6 @@
           </a:p>
         </p:txBody>
       </p:sp>
-      <p:sp>
-        <p:nvSpPr>
-          <p:cNvPr id="8" name="TextBox 7">
-            <a:extLst>
-              <a:ext uri="{FF2B5EF4-FFF2-40B4-BE49-F238E27FC236}">
-                <a16:creationId xmlns:a16="http://schemas.microsoft.com/office/drawing/2014/main" id="{BB691168-65FC-EA40-9C06-33BE34A593EA}"/>
-              </a:ext>
-            </a:extLst>
-          </p:cNvPr>
-          <p:cNvSpPr txBox="1"/>
-          <p:nvPr userDrawn="1"/>
-        </p:nvSpPr>
-        <p:spPr>
-          <a:xfrm>
-            <a:off x="249459" y="4730098"/>
-            <a:ext cx="3613600" cy="230832"/>
-          </a:xfrm>
-          <a:prstGeom prst="rect">
-            <a:avLst/>
-          </a:prstGeom>
-          <a:noFill/>
-        </p:spPr>
-        <p:txBody>
-          <a:bodyPr wrap="square" rtlCol="0" anchor="ctr">
-            <a:spAutoFit/>
-          </a:bodyPr>
-          <a:lstStyle/>
-          <a:p>
-            <a:r>
-              <a:rPr lang="en-US" sz="900" dirty="0">
-                <a:solidFill>
-                  <a:schemeClr val="tx1"/>
-                </a:solidFill>
-              </a:rPr>
-              <a:t>INDIANA UNIVERSITY BLOOMINGTON</a:t>
-            </a:r>
-          </a:p>
-        </p:txBody>
-      </p:sp>
       <p:pic>
         <p:nvPicPr>
           <p:cNvPr id="11" name="Picture 10">
@@ -5780,45 +5537,6 @@
           </a:p>
         </p:txBody>
       </p:sp>
-      <p:sp>
-        <p:nvSpPr>
-          <p:cNvPr id="15" name="TextBox 14">
-            <a:extLst>
-              <a:ext uri="{FF2B5EF4-FFF2-40B4-BE49-F238E27FC236}">
-                <a16:creationId xmlns:a16="http://schemas.microsoft.com/office/drawing/2014/main" id="{34146110-85CE-0345-97E0-49BF9C946C8C}"/>
-              </a:ext>
-            </a:extLst>
-          </p:cNvPr>
-          <p:cNvSpPr txBox="1"/>
-          <p:nvPr userDrawn="1"/>
-        </p:nvSpPr>
-        <p:spPr>
-          <a:xfrm>
-            <a:off x="249459" y="4730098"/>
-            <a:ext cx="3613600" cy="230832"/>
-          </a:xfrm>
-          <a:prstGeom prst="rect">
-            <a:avLst/>
-          </a:prstGeom>
-          <a:noFill/>
-        </p:spPr>
-        <p:txBody>
-          <a:bodyPr wrap="square" rtlCol="0" anchor="ctr">
-            <a:spAutoFit/>
-          </a:bodyPr>
-          <a:lstStyle/>
-          <a:p>
-            <a:r>
-              <a:rPr lang="en-US" sz="900" dirty="0">
-                <a:solidFill>
-                  <a:schemeClr val="tx1"/>
-                </a:solidFill>
-              </a:rPr>
-              <a:t>INDIANA UNIVERSITY BLOOMINGTON</a:t>
-            </a:r>
-          </a:p>
-        </p:txBody>
-      </p:sp>
       <p:pic>
         <p:nvPicPr>
           <p:cNvPr id="17" name="Picture 16">
@@ -5960,45 +5678,6 @@
               <a:t>Click icon to add picture</a:t>
             </a:r>
             <a:endParaRPr lang="en-US" dirty="0"/>
-          </a:p>
-        </p:txBody>
-      </p:sp>
-      <p:sp>
-        <p:nvSpPr>
-          <p:cNvPr id="8" name="TextBox 7">
-            <a:extLst>
-              <a:ext uri="{FF2B5EF4-FFF2-40B4-BE49-F238E27FC236}">
-                <a16:creationId xmlns:a16="http://schemas.microsoft.com/office/drawing/2014/main" id="{133C47D5-629F-4D46-AEE6-7D8DD8FB9AC3}"/>
-              </a:ext>
-            </a:extLst>
-          </p:cNvPr>
-          <p:cNvSpPr txBox="1"/>
-          <p:nvPr userDrawn="1"/>
-        </p:nvSpPr>
-        <p:spPr>
-          <a:xfrm>
-            <a:off x="249459" y="4730098"/>
-            <a:ext cx="3613600" cy="230832"/>
-          </a:xfrm>
-          <a:prstGeom prst="rect">
-            <a:avLst/>
-          </a:prstGeom>
-          <a:noFill/>
-        </p:spPr>
-        <p:txBody>
-          <a:bodyPr wrap="square" rtlCol="0" anchor="ctr">
-            <a:spAutoFit/>
-          </a:bodyPr>
-          <a:lstStyle/>
-          <a:p>
-            <a:r>
-              <a:rPr lang="en-US" sz="900" dirty="0">
-                <a:solidFill>
-                  <a:schemeClr val="tx1"/>
-                </a:solidFill>
-              </a:rPr>
-              <a:t>INDIANA UNIVERSITY BLOOMINGTON</a:t>
-            </a:r>
           </a:p>
         </p:txBody>
       </p:sp>
@@ -6280,45 +5959,6 @@
             <a:r>
               <a:rPr lang="en-US" dirty="0"/>
               <a:t>Click to edit master subtitle style</a:t>
-            </a:r>
-          </a:p>
-        </p:txBody>
-      </p:sp>
-      <p:sp>
-        <p:nvSpPr>
-          <p:cNvPr id="8" name="TextBox 7">
-            <a:extLst>
-              <a:ext uri="{FF2B5EF4-FFF2-40B4-BE49-F238E27FC236}">
-                <a16:creationId xmlns:a16="http://schemas.microsoft.com/office/drawing/2014/main" id="{0A0E35C7-389A-8446-833E-F0D534DB2632}"/>
-              </a:ext>
-            </a:extLst>
-          </p:cNvPr>
-          <p:cNvSpPr txBox="1"/>
-          <p:nvPr userDrawn="1"/>
-        </p:nvSpPr>
-        <p:spPr>
-          <a:xfrm>
-            <a:off x="249459" y="4730098"/>
-            <a:ext cx="3613600" cy="230832"/>
-          </a:xfrm>
-          <a:prstGeom prst="rect">
-            <a:avLst/>
-          </a:prstGeom>
-          <a:noFill/>
-        </p:spPr>
-        <p:txBody>
-          <a:bodyPr wrap="square" rtlCol="0" anchor="ctr">
-            <a:spAutoFit/>
-          </a:bodyPr>
-          <a:lstStyle/>
-          <a:p>
-            <a:r>
-              <a:rPr lang="en-US" sz="900" dirty="0">
-                <a:solidFill>
-                  <a:schemeClr val="bg1"/>
-                </a:solidFill>
-              </a:rPr>
-              <a:t>INDIANA UNIVERSITY BLOOMINGTON</a:t>
             </a:r>
           </a:p>
         </p:txBody>
@@ -6871,6 +6511,436 @@
           </a:p>
         </p:txBody>
       </p:sp>
+      <p:sp>
+        <p:nvSpPr>
+          <p:cNvPr id="4" name="Text Placeholder 10">
+            <a:extLst>
+              <a:ext uri="{FF2B5EF4-FFF2-40B4-BE49-F238E27FC236}">
+                <a16:creationId xmlns:a16="http://schemas.microsoft.com/office/drawing/2014/main" id="{1813DA81-6AFA-1541-A665-5CE4EA30D2F2}"/>
+              </a:ext>
+            </a:extLst>
+          </p:cNvPr>
+          <p:cNvSpPr txBox="1">
+            <a:spLocks/>
+          </p:cNvSpPr>
+          <p:nvPr/>
+        </p:nvSpPr>
+        <p:spPr>
+          <a:xfrm>
+            <a:off x="530694" y="3952954"/>
+            <a:ext cx="7734222" cy="252412"/>
+          </a:xfrm>
+          <a:prstGeom prst="rect">
+            <a:avLst/>
+          </a:prstGeom>
+        </p:spPr>
+        <p:txBody>
+          <a:bodyPr vert="horz" lIns="91440" tIns="45720" rIns="91440" bIns="45720" rtlCol="0" anchor="ctr">
+            <a:noAutofit/>
+          </a:bodyPr>
+          <a:lstStyle>
+            <a:lvl1pPr marL="0" indent="0" algn="l" defTabSz="457200" rtl="0" eaLnBrk="1" latinLnBrk="0" hangingPunct="1">
+              <a:lnSpc>
+                <a:spcPct val="100000"/>
+              </a:lnSpc>
+              <a:spcBef>
+                <a:spcPts val="0"/>
+              </a:spcBef>
+              <a:spcAft>
+                <a:spcPts val="1800"/>
+              </a:spcAft>
+              <a:buClr>
+                <a:schemeClr val="tx1">
+                  <a:lumMod val="50000"/>
+                  <a:lumOff val="50000"/>
+                </a:schemeClr>
+              </a:buClr>
+              <a:buSzPct val="100000"/>
+              <a:buFont typeface="Wingdings" charset="2"/>
+              <a:buNone/>
+              <a:defRPr sz="1800" b="0" kern="1200" spc="0" baseline="0">
+                <a:solidFill>
+                  <a:srgbClr val="A6A6A6"/>
+                </a:solidFill>
+                <a:latin typeface="Arial"/>
+                <a:ea typeface="+mn-ea"/>
+                <a:cs typeface="Arial"/>
+              </a:defRPr>
+            </a:lvl1pPr>
+            <a:lvl2pPr marL="742950" indent="-285750" algn="l" defTabSz="457200" rtl="0" eaLnBrk="1" latinLnBrk="0" hangingPunct="1">
+              <a:lnSpc>
+                <a:spcPct val="100000"/>
+              </a:lnSpc>
+              <a:spcBef>
+                <a:spcPts val="0"/>
+              </a:spcBef>
+              <a:spcAft>
+                <a:spcPts val="1800"/>
+              </a:spcAft>
+              <a:buFont typeface="Arial"/>
+              <a:buChar char="–"/>
+              <a:defRPr sz="1800" kern="1200">
+                <a:solidFill>
+                  <a:schemeClr val="tx1"/>
+                </a:solidFill>
+                <a:latin typeface="Arial"/>
+                <a:ea typeface="+mn-ea"/>
+                <a:cs typeface="Arial"/>
+              </a:defRPr>
+            </a:lvl2pPr>
+            <a:lvl3pPr marL="1143000" indent="-228600" algn="l" defTabSz="457200" rtl="0" eaLnBrk="1" latinLnBrk="0" hangingPunct="1">
+              <a:lnSpc>
+                <a:spcPct val="100000"/>
+              </a:lnSpc>
+              <a:spcBef>
+                <a:spcPts val="0"/>
+              </a:spcBef>
+              <a:spcAft>
+                <a:spcPts val="1800"/>
+              </a:spcAft>
+              <a:buFont typeface="Arial"/>
+              <a:buChar char="•"/>
+              <a:defRPr sz="1800" kern="1200">
+                <a:solidFill>
+                  <a:schemeClr val="tx1"/>
+                </a:solidFill>
+                <a:latin typeface="Arial"/>
+                <a:ea typeface="+mn-ea"/>
+                <a:cs typeface="Arial"/>
+              </a:defRPr>
+            </a:lvl3pPr>
+            <a:lvl4pPr marL="1600200" indent="-228600" algn="l" defTabSz="457200" rtl="0" eaLnBrk="1" latinLnBrk="0" hangingPunct="1">
+              <a:lnSpc>
+                <a:spcPct val="100000"/>
+              </a:lnSpc>
+              <a:spcBef>
+                <a:spcPts val="0"/>
+              </a:spcBef>
+              <a:spcAft>
+                <a:spcPts val="1800"/>
+              </a:spcAft>
+              <a:buFont typeface="Arial"/>
+              <a:buChar char="–"/>
+              <a:defRPr sz="1800" kern="1200">
+                <a:solidFill>
+                  <a:schemeClr val="tx1"/>
+                </a:solidFill>
+                <a:latin typeface="Arial"/>
+                <a:ea typeface="+mn-ea"/>
+                <a:cs typeface="Arial"/>
+              </a:defRPr>
+            </a:lvl4pPr>
+            <a:lvl5pPr marL="2057400" indent="-228600" algn="l" defTabSz="457200" rtl="0" eaLnBrk="1" latinLnBrk="0" hangingPunct="1">
+              <a:lnSpc>
+                <a:spcPct val="100000"/>
+              </a:lnSpc>
+              <a:spcBef>
+                <a:spcPts val="0"/>
+              </a:spcBef>
+              <a:spcAft>
+                <a:spcPts val="1800"/>
+              </a:spcAft>
+              <a:buFont typeface="Arial"/>
+              <a:buChar char="»"/>
+              <a:defRPr sz="1800" kern="1200">
+                <a:solidFill>
+                  <a:schemeClr val="tx1"/>
+                </a:solidFill>
+                <a:latin typeface="Arial"/>
+                <a:ea typeface="+mn-ea"/>
+                <a:cs typeface="Arial"/>
+              </a:defRPr>
+            </a:lvl5pPr>
+            <a:lvl6pPr marL="2514600" indent="-228600" algn="l" defTabSz="457200" rtl="0" eaLnBrk="1" latinLnBrk="0" hangingPunct="1">
+              <a:spcBef>
+                <a:spcPct val="20000"/>
+              </a:spcBef>
+              <a:buFont typeface="Arial"/>
+              <a:buChar char="•"/>
+              <a:defRPr sz="2000" kern="1200">
+                <a:solidFill>
+                  <a:schemeClr val="tx1"/>
+                </a:solidFill>
+                <a:latin typeface="+mn-lt"/>
+                <a:ea typeface="+mn-ea"/>
+                <a:cs typeface="+mn-cs"/>
+              </a:defRPr>
+            </a:lvl6pPr>
+            <a:lvl7pPr marL="2971800" indent="-228600" algn="l" defTabSz="457200" rtl="0" eaLnBrk="1" latinLnBrk="0" hangingPunct="1">
+              <a:spcBef>
+                <a:spcPct val="20000"/>
+              </a:spcBef>
+              <a:buFont typeface="Arial"/>
+              <a:buChar char="•"/>
+              <a:defRPr sz="2000" kern="1200">
+                <a:solidFill>
+                  <a:schemeClr val="tx1"/>
+                </a:solidFill>
+                <a:latin typeface="+mn-lt"/>
+                <a:ea typeface="+mn-ea"/>
+                <a:cs typeface="+mn-cs"/>
+              </a:defRPr>
+            </a:lvl7pPr>
+            <a:lvl8pPr marL="3429000" indent="-228600" algn="l" defTabSz="457200" rtl="0" eaLnBrk="1" latinLnBrk="0" hangingPunct="1">
+              <a:spcBef>
+                <a:spcPct val="20000"/>
+              </a:spcBef>
+              <a:buFont typeface="Arial"/>
+              <a:buChar char="•"/>
+              <a:defRPr sz="2000" kern="1200">
+                <a:solidFill>
+                  <a:schemeClr val="tx1"/>
+                </a:solidFill>
+                <a:latin typeface="+mn-lt"/>
+                <a:ea typeface="+mn-ea"/>
+                <a:cs typeface="+mn-cs"/>
+              </a:defRPr>
+            </a:lvl8pPr>
+            <a:lvl9pPr marL="3886200" indent="-228600" algn="l" defTabSz="457200" rtl="0" eaLnBrk="1" latinLnBrk="0" hangingPunct="1">
+              <a:spcBef>
+                <a:spcPct val="20000"/>
+              </a:spcBef>
+              <a:buFont typeface="Arial"/>
+              <a:buChar char="•"/>
+              <a:defRPr sz="2000" kern="1200">
+                <a:solidFill>
+                  <a:schemeClr val="tx1"/>
+                </a:solidFill>
+                <a:latin typeface="+mn-lt"/>
+                <a:ea typeface="+mn-ea"/>
+                <a:cs typeface="+mn-cs"/>
+              </a:defRPr>
+            </a:lvl9pPr>
+          </a:lstStyle>
+          <a:p>
+            <a:r>
+              <a:rPr lang="en-US" dirty="0">
+                <a:solidFill>
+                  <a:schemeClr val="bg1"/>
+                </a:solidFill>
+              </a:rPr>
+              <a:t>By: Ankit Mathur &amp; Nitesh Jaswal</a:t>
+            </a:r>
+          </a:p>
+        </p:txBody>
+      </p:sp>
+      <p:sp>
+        <p:nvSpPr>
+          <p:cNvPr id="5" name="Text Placeholder 10">
+            <a:extLst>
+              <a:ext uri="{FF2B5EF4-FFF2-40B4-BE49-F238E27FC236}">
+                <a16:creationId xmlns:a16="http://schemas.microsoft.com/office/drawing/2014/main" id="{12F53BD8-00D0-CB46-A667-2202A80CD492}"/>
+              </a:ext>
+            </a:extLst>
+          </p:cNvPr>
+          <p:cNvSpPr txBox="1">
+            <a:spLocks/>
+          </p:cNvSpPr>
+          <p:nvPr/>
+        </p:nvSpPr>
+        <p:spPr>
+          <a:xfrm>
+            <a:off x="536771" y="4275618"/>
+            <a:ext cx="7734222" cy="252412"/>
+          </a:xfrm>
+          <a:prstGeom prst="rect">
+            <a:avLst/>
+          </a:prstGeom>
+        </p:spPr>
+        <p:txBody>
+          <a:bodyPr vert="horz" lIns="91440" tIns="45720" rIns="91440" bIns="45720" rtlCol="0" anchor="ctr">
+            <a:noAutofit/>
+          </a:bodyPr>
+          <a:lstStyle>
+            <a:lvl1pPr marL="0" indent="0" algn="l" defTabSz="457200" rtl="0" eaLnBrk="1" latinLnBrk="0" hangingPunct="1">
+              <a:lnSpc>
+                <a:spcPct val="100000"/>
+              </a:lnSpc>
+              <a:spcBef>
+                <a:spcPts val="0"/>
+              </a:spcBef>
+              <a:spcAft>
+                <a:spcPts val="1800"/>
+              </a:spcAft>
+              <a:buClr>
+                <a:schemeClr val="tx1">
+                  <a:lumMod val="50000"/>
+                  <a:lumOff val="50000"/>
+                </a:schemeClr>
+              </a:buClr>
+              <a:buSzPct val="100000"/>
+              <a:buFont typeface="Wingdings" charset="2"/>
+              <a:buNone/>
+              <a:defRPr sz="1800" b="0" kern="1200" spc="0" baseline="0">
+                <a:solidFill>
+                  <a:srgbClr val="A6A6A6"/>
+                </a:solidFill>
+                <a:latin typeface="Arial"/>
+                <a:ea typeface="+mn-ea"/>
+                <a:cs typeface="Arial"/>
+              </a:defRPr>
+            </a:lvl1pPr>
+            <a:lvl2pPr marL="742950" indent="-285750" algn="l" defTabSz="457200" rtl="0" eaLnBrk="1" latinLnBrk="0" hangingPunct="1">
+              <a:lnSpc>
+                <a:spcPct val="100000"/>
+              </a:lnSpc>
+              <a:spcBef>
+                <a:spcPts val="0"/>
+              </a:spcBef>
+              <a:spcAft>
+                <a:spcPts val="1800"/>
+              </a:spcAft>
+              <a:buFont typeface="Arial"/>
+              <a:buChar char="–"/>
+              <a:defRPr sz="1800" kern="1200">
+                <a:solidFill>
+                  <a:schemeClr val="tx1"/>
+                </a:solidFill>
+                <a:latin typeface="Arial"/>
+                <a:ea typeface="+mn-ea"/>
+                <a:cs typeface="Arial"/>
+              </a:defRPr>
+            </a:lvl2pPr>
+            <a:lvl3pPr marL="1143000" indent="-228600" algn="l" defTabSz="457200" rtl="0" eaLnBrk="1" latinLnBrk="0" hangingPunct="1">
+              <a:lnSpc>
+                <a:spcPct val="100000"/>
+              </a:lnSpc>
+              <a:spcBef>
+                <a:spcPts val="0"/>
+              </a:spcBef>
+              <a:spcAft>
+                <a:spcPts val="1800"/>
+              </a:spcAft>
+              <a:buFont typeface="Arial"/>
+              <a:buChar char="•"/>
+              <a:defRPr sz="1800" kern="1200">
+                <a:solidFill>
+                  <a:schemeClr val="tx1"/>
+                </a:solidFill>
+                <a:latin typeface="Arial"/>
+                <a:ea typeface="+mn-ea"/>
+                <a:cs typeface="Arial"/>
+              </a:defRPr>
+            </a:lvl3pPr>
+            <a:lvl4pPr marL="1600200" indent="-228600" algn="l" defTabSz="457200" rtl="0" eaLnBrk="1" latinLnBrk="0" hangingPunct="1">
+              <a:lnSpc>
+                <a:spcPct val="100000"/>
+              </a:lnSpc>
+              <a:spcBef>
+                <a:spcPts val="0"/>
+              </a:spcBef>
+              <a:spcAft>
+                <a:spcPts val="1800"/>
+              </a:spcAft>
+              <a:buFont typeface="Arial"/>
+              <a:buChar char="–"/>
+              <a:defRPr sz="1800" kern="1200">
+                <a:solidFill>
+                  <a:schemeClr val="tx1"/>
+                </a:solidFill>
+                <a:latin typeface="Arial"/>
+                <a:ea typeface="+mn-ea"/>
+                <a:cs typeface="Arial"/>
+              </a:defRPr>
+            </a:lvl4pPr>
+            <a:lvl5pPr marL="2057400" indent="-228600" algn="l" defTabSz="457200" rtl="0" eaLnBrk="1" latinLnBrk="0" hangingPunct="1">
+              <a:lnSpc>
+                <a:spcPct val="100000"/>
+              </a:lnSpc>
+              <a:spcBef>
+                <a:spcPts val="0"/>
+              </a:spcBef>
+              <a:spcAft>
+                <a:spcPts val="1800"/>
+              </a:spcAft>
+              <a:buFont typeface="Arial"/>
+              <a:buChar char="»"/>
+              <a:defRPr sz="1800" kern="1200">
+                <a:solidFill>
+                  <a:schemeClr val="tx1"/>
+                </a:solidFill>
+                <a:latin typeface="Arial"/>
+                <a:ea typeface="+mn-ea"/>
+                <a:cs typeface="Arial"/>
+              </a:defRPr>
+            </a:lvl5pPr>
+            <a:lvl6pPr marL="2514600" indent="-228600" algn="l" defTabSz="457200" rtl="0" eaLnBrk="1" latinLnBrk="0" hangingPunct="1">
+              <a:spcBef>
+                <a:spcPct val="20000"/>
+              </a:spcBef>
+              <a:buFont typeface="Arial"/>
+              <a:buChar char="•"/>
+              <a:defRPr sz="2000" kern="1200">
+                <a:solidFill>
+                  <a:schemeClr val="tx1"/>
+                </a:solidFill>
+                <a:latin typeface="+mn-lt"/>
+                <a:ea typeface="+mn-ea"/>
+                <a:cs typeface="+mn-cs"/>
+              </a:defRPr>
+            </a:lvl6pPr>
+            <a:lvl7pPr marL="2971800" indent="-228600" algn="l" defTabSz="457200" rtl="0" eaLnBrk="1" latinLnBrk="0" hangingPunct="1">
+              <a:spcBef>
+                <a:spcPct val="20000"/>
+              </a:spcBef>
+              <a:buFont typeface="Arial"/>
+              <a:buChar char="•"/>
+              <a:defRPr sz="2000" kern="1200">
+                <a:solidFill>
+                  <a:schemeClr val="tx1"/>
+                </a:solidFill>
+                <a:latin typeface="+mn-lt"/>
+                <a:ea typeface="+mn-ea"/>
+                <a:cs typeface="+mn-cs"/>
+              </a:defRPr>
+            </a:lvl7pPr>
+            <a:lvl8pPr marL="3429000" indent="-228600" algn="l" defTabSz="457200" rtl="0" eaLnBrk="1" latinLnBrk="0" hangingPunct="1">
+              <a:spcBef>
+                <a:spcPct val="20000"/>
+              </a:spcBef>
+              <a:buFont typeface="Arial"/>
+              <a:buChar char="•"/>
+              <a:defRPr sz="2000" kern="1200">
+                <a:solidFill>
+                  <a:schemeClr val="tx1"/>
+                </a:solidFill>
+                <a:latin typeface="+mn-lt"/>
+                <a:ea typeface="+mn-ea"/>
+                <a:cs typeface="+mn-cs"/>
+              </a:defRPr>
+            </a:lvl8pPr>
+            <a:lvl9pPr marL="3886200" indent="-228600" algn="l" defTabSz="457200" rtl="0" eaLnBrk="1" latinLnBrk="0" hangingPunct="1">
+              <a:spcBef>
+                <a:spcPct val="20000"/>
+              </a:spcBef>
+              <a:buFont typeface="Arial"/>
+              <a:buChar char="•"/>
+              <a:defRPr sz="2000" kern="1200">
+                <a:solidFill>
+                  <a:schemeClr val="tx1"/>
+                </a:solidFill>
+                <a:latin typeface="+mn-lt"/>
+                <a:ea typeface="+mn-ea"/>
+                <a:cs typeface="+mn-cs"/>
+              </a:defRPr>
+            </a:lvl9pPr>
+          </a:lstStyle>
+          <a:p>
+            <a:r>
+              <a:rPr lang="en-US" sz="1400" dirty="0"/>
+              <a:t>April 16</a:t>
+            </a:r>
+            <a:r>
+              <a:rPr lang="en-US" sz="1400" baseline="30000" dirty="0"/>
+              <a:t>th</a:t>
+            </a:r>
+            <a:r>
+              <a:rPr lang="en-US" sz="1400" dirty="0"/>
+              <a:t>, 2019</a:t>
+            </a:r>
+          </a:p>
+        </p:txBody>
+      </p:sp>
     </p:spTree>
     <p:extLst>
       <p:ext uri="{BB962C8B-B14F-4D97-AF65-F5344CB8AC3E}">
@@ -8324,10 +8394,10 @@
       </p:grpSpPr>
       <p:pic>
         <p:nvPicPr>
-          <p:cNvPr id="15" name="Picture 14">
+          <p:cNvPr id="17" name="Picture 16">
             <a:extLst>
               <a:ext uri="{FF2B5EF4-FFF2-40B4-BE49-F238E27FC236}">
-                <a16:creationId xmlns:a16="http://schemas.microsoft.com/office/drawing/2014/main" id="{9F07A571-AC63-2048-B653-9A0081AA3734}"/>
+                <a16:creationId xmlns:a16="http://schemas.microsoft.com/office/drawing/2014/main" id="{8829A717-1A61-084D-AB41-F0375938A75E}"/>
               </a:ext>
             </a:extLst>
           </p:cNvPr>
@@ -8338,13 +8408,71 @@
         </p:nvPicPr>
         <p:blipFill rotWithShape="1">
           <a:blip r:embed="rId3"/>
-          <a:srcRect b="5578"/>
+          <a:srcRect b="5246"/>
           <a:stretch/>
         </p:blipFill>
         <p:spPr>
           <a:xfrm>
-            <a:off x="127494" y="786985"/>
-            <a:ext cx="3470145" cy="2022116"/>
+            <a:off x="517996" y="753533"/>
+            <a:ext cx="3613738" cy="2113211"/>
+          </a:xfrm>
+          <a:prstGeom prst="rect">
+            <a:avLst/>
+          </a:prstGeom>
+        </p:spPr>
+      </p:pic>
+      <p:pic>
+        <p:nvPicPr>
+          <p:cNvPr id="18" name="Picture 17">
+            <a:extLst>
+              <a:ext uri="{FF2B5EF4-FFF2-40B4-BE49-F238E27FC236}">
+                <a16:creationId xmlns:a16="http://schemas.microsoft.com/office/drawing/2014/main" id="{2F19BB8B-652D-684A-B522-766B0E4EC8F1}"/>
+              </a:ext>
+            </a:extLst>
+          </p:cNvPr>
+          <p:cNvPicPr>
+            <a:picLocks noChangeAspect="1"/>
+          </p:cNvPicPr>
+          <p:nvPr/>
+        </p:nvPicPr>
+        <p:blipFill rotWithShape="1">
+          <a:blip r:embed="rId4"/>
+          <a:srcRect b="4655"/>
+          <a:stretch/>
+        </p:blipFill>
+        <p:spPr>
+          <a:xfrm>
+            <a:off x="4722814" y="753533"/>
+            <a:ext cx="3613738" cy="2126387"/>
+          </a:xfrm>
+          <a:prstGeom prst="rect">
+            <a:avLst/>
+          </a:prstGeom>
+        </p:spPr>
+      </p:pic>
+      <p:pic>
+        <p:nvPicPr>
+          <p:cNvPr id="20" name="Picture 19">
+            <a:extLst>
+              <a:ext uri="{FF2B5EF4-FFF2-40B4-BE49-F238E27FC236}">
+                <a16:creationId xmlns:a16="http://schemas.microsoft.com/office/drawing/2014/main" id="{52A7AB00-C24D-C94D-ABDD-6047E3638A2D}"/>
+              </a:ext>
+            </a:extLst>
+          </p:cNvPr>
+          <p:cNvPicPr>
+            <a:picLocks noChangeAspect="1"/>
+          </p:cNvPicPr>
+          <p:nvPr/>
+        </p:nvPicPr>
+        <p:blipFill rotWithShape="1">
+          <a:blip r:embed="rId5"/>
+          <a:srcRect b="6337"/>
+          <a:stretch/>
+        </p:blipFill>
+        <p:spPr>
+          <a:xfrm>
+            <a:off x="475861" y="2941391"/>
+            <a:ext cx="3655874" cy="2113211"/>
           </a:xfrm>
           <a:prstGeom prst="rect">
             <a:avLst/>

--- a/STEM Grad Students.pptx
+++ b/STEM Grad Students.pptx
@@ -5,29 +5,31 @@
     <p:sldMasterId id="2147493455" r:id="rId4"/>
   </p:sldMasterIdLst>
   <p:notesMasterIdLst>
-    <p:notesMasterId r:id="rId22"/>
+    <p:notesMasterId r:id="rId24"/>
   </p:notesMasterIdLst>
   <p:handoutMasterIdLst>
-    <p:handoutMasterId r:id="rId23"/>
+    <p:handoutMasterId r:id="rId25"/>
   </p:handoutMasterIdLst>
   <p:sldIdLst>
     <p:sldId id="329" r:id="rId5"/>
     <p:sldId id="315" r:id="rId6"/>
     <p:sldId id="333" r:id="rId7"/>
     <p:sldId id="335" r:id="rId8"/>
-    <p:sldId id="317" r:id="rId9"/>
-    <p:sldId id="316" r:id="rId10"/>
-    <p:sldId id="324" r:id="rId11"/>
-    <p:sldId id="325" r:id="rId12"/>
-    <p:sldId id="331" r:id="rId13"/>
-    <p:sldId id="319" r:id="rId14"/>
-    <p:sldId id="334" r:id="rId15"/>
-    <p:sldId id="320" r:id="rId16"/>
-    <p:sldId id="321" r:id="rId17"/>
-    <p:sldId id="326" r:id="rId18"/>
-    <p:sldId id="327" r:id="rId19"/>
-    <p:sldId id="332" r:id="rId20"/>
-    <p:sldId id="322" r:id="rId21"/>
+    <p:sldId id="336" r:id="rId9"/>
+    <p:sldId id="337" r:id="rId10"/>
+    <p:sldId id="317" r:id="rId11"/>
+    <p:sldId id="316" r:id="rId12"/>
+    <p:sldId id="324" r:id="rId13"/>
+    <p:sldId id="325" r:id="rId14"/>
+    <p:sldId id="331" r:id="rId15"/>
+    <p:sldId id="319" r:id="rId16"/>
+    <p:sldId id="334" r:id="rId17"/>
+    <p:sldId id="320" r:id="rId18"/>
+    <p:sldId id="321" r:id="rId19"/>
+    <p:sldId id="326" r:id="rId20"/>
+    <p:sldId id="327" r:id="rId21"/>
+    <p:sldId id="332" r:id="rId22"/>
+    <p:sldId id="322" r:id="rId23"/>
   </p:sldIdLst>
   <p:sldSz cx="9144000" cy="5143500" type="screen16x9"/>
   <p:notesSz cx="6858000" cy="9144000"/>
@@ -241,7 +243,7 @@
           <a:p>
             <a:fld id="{C87859BD-4604-2843-976C-9F2DEE3C79DB}" type="datetimeFigureOut">
               <a:rPr lang="en-US" smtClean="0"/>
-              <a:t>4/12/19</a:t>
+              <a:t>4/12/2019</a:t>
             </a:fld>
             <a:endParaRPr lang="en-US"/>
           </a:p>
@@ -406,7 +408,7 @@
           <a:p>
             <a:fld id="{DE108F45-8DB7-E449-85E4-EC04F96DF3AA}" type="datetimeFigureOut">
               <a:rPr lang="en-US" smtClean="0"/>
-              <a:t>4/12/19</a:t>
+              <a:t>4/12/2019</a:t>
             </a:fld>
             <a:endParaRPr lang="en-US"/>
           </a:p>
@@ -801,7 +803,7 @@
           <a:bodyPr/>
           <a:lstStyle/>
           <a:p>
-            <a:endParaRPr lang="en-US" dirty="0"/>
+            <a:endParaRPr lang="en-US"/>
           </a:p>
         </p:txBody>
       </p:sp>
@@ -822,7 +824,175 @@
           <a:p>
             <a:fld id="{9706D261-4ACC-5E49-97C5-9D8FD2D9A3AF}" type="slidenum">
               <a:rPr lang="en-US" smtClean="0"/>
-              <a:t>15</a:t>
+              <a:t>10</a:t>
+            </a:fld>
+            <a:endParaRPr lang="en-US"/>
+          </a:p>
+        </p:txBody>
+      </p:sp>
+    </p:spTree>
+    <p:extLst>
+      <p:ext uri="{BB962C8B-B14F-4D97-AF65-F5344CB8AC3E}">
+        <p14:creationId xmlns:p14="http://schemas.microsoft.com/office/powerpoint/2010/main" val="529023919"/>
+      </p:ext>
+    </p:extLst>
+  </p:cSld>
+  <p:clrMapOvr>
+    <a:masterClrMapping/>
+  </p:clrMapOvr>
+</p:notes>
+</file>
+
+<file path=ppt/notesSlides/notesSlide11.xml><?xml version="1.0" encoding="utf-8"?>
+<p:notes xmlns:a="http://schemas.openxmlformats.org/drawingml/2006/main" xmlns:r="http://schemas.openxmlformats.org/officeDocument/2006/relationships" xmlns:p="http://schemas.openxmlformats.org/presentationml/2006/main">
+  <p:cSld>
+    <p:spTree>
+      <p:nvGrpSpPr>
+        <p:cNvPr id="1" name=""/>
+        <p:cNvGrpSpPr/>
+        <p:nvPr/>
+      </p:nvGrpSpPr>
+      <p:grpSpPr>
+        <a:xfrm>
+          <a:off x="0" y="0"/>
+          <a:ext cx="0" cy="0"/>
+          <a:chOff x="0" y="0"/>
+          <a:chExt cx="0" cy="0"/>
+        </a:xfrm>
+      </p:grpSpPr>
+      <p:sp>
+        <p:nvSpPr>
+          <p:cNvPr id="2" name="Slide Image Placeholder 1"/>
+          <p:cNvSpPr>
+            <a:spLocks noGrp="1" noRot="1" noChangeAspect="1"/>
+          </p:cNvSpPr>
+          <p:nvPr>
+            <p:ph type="sldImg"/>
+          </p:nvPr>
+        </p:nvSpPr>
+        <p:spPr/>
+      </p:sp>
+      <p:sp>
+        <p:nvSpPr>
+          <p:cNvPr id="3" name="Notes Placeholder 2"/>
+          <p:cNvSpPr>
+            <a:spLocks noGrp="1"/>
+          </p:cNvSpPr>
+          <p:nvPr>
+            <p:ph type="body" idx="1"/>
+          </p:nvPr>
+        </p:nvSpPr>
+        <p:spPr/>
+        <p:txBody>
+          <a:bodyPr/>
+          <a:lstStyle/>
+          <a:p>
+            <a:endParaRPr lang="en-US"/>
+          </a:p>
+        </p:txBody>
+      </p:sp>
+      <p:sp>
+        <p:nvSpPr>
+          <p:cNvPr id="4" name="Slide Number Placeholder 3"/>
+          <p:cNvSpPr>
+            <a:spLocks noGrp="1"/>
+          </p:cNvSpPr>
+          <p:nvPr>
+            <p:ph type="sldNum" sz="quarter" idx="5"/>
+          </p:nvPr>
+        </p:nvSpPr>
+        <p:spPr/>
+        <p:txBody>
+          <a:bodyPr/>
+          <a:lstStyle/>
+          <a:p>
+            <a:fld id="{9706D261-4ACC-5E49-97C5-9D8FD2D9A3AF}" type="slidenum">
+              <a:rPr lang="en-US" smtClean="0"/>
+              <a:t>13</a:t>
+            </a:fld>
+            <a:endParaRPr lang="en-US"/>
+          </a:p>
+        </p:txBody>
+      </p:sp>
+    </p:spTree>
+    <p:extLst>
+      <p:ext uri="{BB962C8B-B14F-4D97-AF65-F5344CB8AC3E}">
+        <p14:creationId xmlns:p14="http://schemas.microsoft.com/office/powerpoint/2010/main" val="3804898797"/>
+      </p:ext>
+    </p:extLst>
+  </p:cSld>
+  <p:clrMapOvr>
+    <a:masterClrMapping/>
+  </p:clrMapOvr>
+</p:notes>
+</file>
+
+<file path=ppt/notesSlides/notesSlide12.xml><?xml version="1.0" encoding="utf-8"?>
+<p:notes xmlns:a="http://schemas.openxmlformats.org/drawingml/2006/main" xmlns:r="http://schemas.openxmlformats.org/officeDocument/2006/relationships" xmlns:p="http://schemas.openxmlformats.org/presentationml/2006/main">
+  <p:cSld>
+    <p:spTree>
+      <p:nvGrpSpPr>
+        <p:cNvPr id="1" name=""/>
+        <p:cNvGrpSpPr/>
+        <p:nvPr/>
+      </p:nvGrpSpPr>
+      <p:grpSpPr>
+        <a:xfrm>
+          <a:off x="0" y="0"/>
+          <a:ext cx="0" cy="0"/>
+          <a:chOff x="0" y="0"/>
+          <a:chExt cx="0" cy="0"/>
+        </a:xfrm>
+      </p:grpSpPr>
+      <p:sp>
+        <p:nvSpPr>
+          <p:cNvPr id="2" name="Slide Image Placeholder 1"/>
+          <p:cNvSpPr>
+            <a:spLocks noGrp="1" noRot="1" noChangeAspect="1"/>
+          </p:cNvSpPr>
+          <p:nvPr>
+            <p:ph type="sldImg"/>
+          </p:nvPr>
+        </p:nvSpPr>
+        <p:spPr/>
+      </p:sp>
+      <p:sp>
+        <p:nvSpPr>
+          <p:cNvPr id="3" name="Notes Placeholder 2"/>
+          <p:cNvSpPr>
+            <a:spLocks noGrp="1"/>
+          </p:cNvSpPr>
+          <p:nvPr>
+            <p:ph type="body" idx="1"/>
+          </p:nvPr>
+        </p:nvSpPr>
+        <p:spPr/>
+        <p:txBody>
+          <a:bodyPr/>
+          <a:lstStyle/>
+          <a:p>
+            <a:endParaRPr lang="en-US" dirty="0"/>
+          </a:p>
+        </p:txBody>
+      </p:sp>
+      <p:sp>
+        <p:nvSpPr>
+          <p:cNvPr id="4" name="Slide Number Placeholder 3"/>
+          <p:cNvSpPr>
+            <a:spLocks noGrp="1"/>
+          </p:cNvSpPr>
+          <p:nvPr>
+            <p:ph type="sldNum" sz="quarter" idx="5"/>
+          </p:nvPr>
+        </p:nvSpPr>
+        <p:spPr/>
+        <p:txBody>
+          <a:bodyPr/>
+          <a:lstStyle/>
+          <a:p>
+            <a:fld id="{9706D261-4ACC-5E49-97C5-9D8FD2D9A3AF}" type="slidenum">
+              <a:rPr lang="en-US" smtClean="0"/>
+              <a:t>17</a:t>
             </a:fld>
             <a:endParaRPr lang="en-US"/>
           </a:p>
@@ -1167,7 +1337,7 @@
     </p:spTree>
     <p:extLst>
       <p:ext uri="{BB962C8B-B14F-4D97-AF65-F5344CB8AC3E}">
-        <p14:creationId xmlns:p14="http://schemas.microsoft.com/office/powerpoint/2010/main" val="4025250979"/>
+        <p14:creationId xmlns:p14="http://schemas.microsoft.com/office/powerpoint/2010/main" val="517894921"/>
       </p:ext>
     </p:extLst>
   </p:cSld>
@@ -1251,7 +1421,7 @@
     </p:spTree>
     <p:extLst>
       <p:ext uri="{BB962C8B-B14F-4D97-AF65-F5344CB8AC3E}">
-        <p14:creationId xmlns:p14="http://schemas.microsoft.com/office/powerpoint/2010/main" val="167190132"/>
+        <p14:creationId xmlns:p14="http://schemas.microsoft.com/office/powerpoint/2010/main" val="3142900291"/>
       </p:ext>
     </p:extLst>
   </p:cSld>
@@ -1335,7 +1505,7 @@
     </p:spTree>
     <p:extLst>
       <p:ext uri="{BB962C8B-B14F-4D97-AF65-F5344CB8AC3E}">
-        <p14:creationId xmlns:p14="http://schemas.microsoft.com/office/powerpoint/2010/main" val="1518814260"/>
+        <p14:creationId xmlns:p14="http://schemas.microsoft.com/office/powerpoint/2010/main" val="4025250979"/>
       </p:ext>
     </p:extLst>
   </p:cSld>
@@ -1419,7 +1589,7 @@
     </p:spTree>
     <p:extLst>
       <p:ext uri="{BB962C8B-B14F-4D97-AF65-F5344CB8AC3E}">
-        <p14:creationId xmlns:p14="http://schemas.microsoft.com/office/powerpoint/2010/main" val="529023919"/>
+        <p14:creationId xmlns:p14="http://schemas.microsoft.com/office/powerpoint/2010/main" val="167190132"/>
       </p:ext>
     </p:extLst>
   </p:cSld>
@@ -1494,7 +1664,7 @@
           <a:p>
             <a:fld id="{9706D261-4ACC-5E49-97C5-9D8FD2D9A3AF}" type="slidenum">
               <a:rPr lang="en-US" smtClean="0"/>
-              <a:t>11</a:t>
+              <a:t>9</a:t>
             </a:fld>
             <a:endParaRPr lang="en-US"/>
           </a:p>
@@ -1503,7 +1673,7 @@
     </p:spTree>
     <p:extLst>
       <p:ext uri="{BB962C8B-B14F-4D97-AF65-F5344CB8AC3E}">
-        <p14:creationId xmlns:p14="http://schemas.microsoft.com/office/powerpoint/2010/main" val="3804898797"/>
+        <p14:creationId xmlns:p14="http://schemas.microsoft.com/office/powerpoint/2010/main" val="1518814260"/>
       </p:ext>
     </p:extLst>
   </p:cSld>
@@ -6903,44 +7073,308 @@
       </p:grpSpPr>
       <p:sp>
         <p:nvSpPr>
-          <p:cNvPr id="2" name="Title 1"/>
+          <p:cNvPr id="21" name="Content Placeholder 1">
+            <a:extLst>
+              <a:ext uri="{FF2B5EF4-FFF2-40B4-BE49-F238E27FC236}">
+                <a16:creationId xmlns:a16="http://schemas.microsoft.com/office/drawing/2014/main" id="{537C6F04-B65D-8D4F-9F65-22BF07FDF04A}"/>
+              </a:ext>
+            </a:extLst>
+          </p:cNvPr>
           <p:cNvSpPr>
             <a:spLocks noGrp="1"/>
           </p:cNvSpPr>
           <p:nvPr>
-            <p:ph type="title"/>
-          </p:nvPr>
-        </p:nvSpPr>
-        <p:spPr/>
+            <p:ph idx="1"/>
+          </p:nvPr>
+        </p:nvSpPr>
+        <p:spPr>
+          <a:xfrm>
+            <a:off x="1168400" y="2363981"/>
+            <a:ext cx="2104483" cy="2177659"/>
+          </a:xfrm>
+        </p:spPr>
         <p:txBody>
           <a:bodyPr/>
           <a:lstStyle/>
           <a:p>
+            <a:pPr lvl="0"/>
             <a:r>
               <a:rPr lang="en-US" dirty="0"/>
-              <a:t>Section heading option 1</a:t>
-            </a:r>
-          </a:p>
-        </p:txBody>
-      </p:sp>
-      <p:sp>
-        <p:nvSpPr>
-          <p:cNvPr id="3" name="Text Placeholder 2"/>
+              <a:t>Click to add text about this notable year in your school, department, or unit’s history. Add relevant historical context or content if it is appropriate.</a:t>
+            </a:r>
+          </a:p>
+        </p:txBody>
+      </p:sp>
+      <p:sp>
+        <p:nvSpPr>
+          <p:cNvPr id="25" name="Content Placeholder 2">
+            <a:extLst>
+              <a:ext uri="{FF2B5EF4-FFF2-40B4-BE49-F238E27FC236}">
+                <a16:creationId xmlns:a16="http://schemas.microsoft.com/office/drawing/2014/main" id="{552730EB-909B-BF45-80B0-EE2F78B95B43}"/>
+              </a:ext>
+            </a:extLst>
+          </p:cNvPr>
           <p:cNvSpPr>
             <a:spLocks noGrp="1"/>
           </p:cNvSpPr>
           <p:nvPr>
-            <p:ph type="body" sz="quarter" idx="10"/>
-          </p:nvPr>
-        </p:nvSpPr>
-        <p:spPr/>
+            <p:ph idx="11"/>
+          </p:nvPr>
+        </p:nvSpPr>
+        <p:spPr>
+          <a:xfrm>
+            <a:off x="3519758" y="2363982"/>
+            <a:ext cx="2104483" cy="2171644"/>
+          </a:xfrm>
+        </p:spPr>
         <p:txBody>
           <a:bodyPr/>
           <a:lstStyle/>
           <a:p>
+            <a:pPr lvl="0"/>
             <a:r>
               <a:rPr lang="en-US" dirty="0"/>
-              <a:t>SECTION 2</a:t>
+              <a:t>Click to add text about this notable year in your school, department, or unit’s history. Add relevant historical context or content if it is appropriate.</a:t>
+            </a:r>
+          </a:p>
+        </p:txBody>
+      </p:sp>
+      <p:sp>
+        <p:nvSpPr>
+          <p:cNvPr id="26" name="Content Placeholder 3">
+            <a:extLst>
+              <a:ext uri="{FF2B5EF4-FFF2-40B4-BE49-F238E27FC236}">
+                <a16:creationId xmlns:a16="http://schemas.microsoft.com/office/drawing/2014/main" id="{0503FCB5-3C62-8E4A-A8D4-DAF792CCD7D9}"/>
+              </a:ext>
+            </a:extLst>
+          </p:cNvPr>
+          <p:cNvSpPr>
+            <a:spLocks noGrp="1"/>
+          </p:cNvSpPr>
+          <p:nvPr>
+            <p:ph idx="12"/>
+          </p:nvPr>
+        </p:nvSpPr>
+        <p:spPr>
+          <a:xfrm>
+            <a:off x="5871117" y="2363983"/>
+            <a:ext cx="2104483" cy="2171643"/>
+          </a:xfrm>
+        </p:spPr>
+        <p:txBody>
+          <a:bodyPr/>
+          <a:lstStyle/>
+          <a:p>
+            <a:pPr lvl="0"/>
+            <a:r>
+              <a:rPr lang="en-US" dirty="0"/>
+              <a:t>Click to add text about this notable year in your school, department, or unit’s history. </a:t>
+            </a:r>
+            <a:r>
+              <a:rPr lang="en-US"/>
+              <a:t>Add relevant historical context or content if it is appropriate.</a:t>
+            </a:r>
+            <a:endParaRPr lang="en-US" dirty="0"/>
+          </a:p>
+        </p:txBody>
+      </p:sp>
+      <p:sp>
+        <p:nvSpPr>
+          <p:cNvPr id="27" name="Title 1">
+            <a:extLst>
+              <a:ext uri="{FF2B5EF4-FFF2-40B4-BE49-F238E27FC236}">
+                <a16:creationId xmlns:a16="http://schemas.microsoft.com/office/drawing/2014/main" id="{E25BE10C-842C-1749-80D6-F7B239EF0316}"/>
+              </a:ext>
+            </a:extLst>
+          </p:cNvPr>
+          <p:cNvSpPr>
+            <a:spLocks noGrp="1"/>
+          </p:cNvSpPr>
+          <p:nvPr>
+            <p:ph type="ctrTitle"/>
+          </p:nvPr>
+        </p:nvSpPr>
+        <p:spPr>
+          <a:xfrm>
+            <a:off x="1134532" y="946047"/>
+            <a:ext cx="7365818" cy="699065"/>
+          </a:xfrm>
+        </p:spPr>
+        <p:txBody>
+          <a:bodyPr/>
+          <a:lstStyle/>
+          <a:p>
+            <a:r>
+              <a:rPr lang="en-US" dirty="0"/>
+              <a:t>Click to edit timeline title style</a:t>
+            </a:r>
+          </a:p>
+        </p:txBody>
+      </p:sp>
+      <p:sp>
+        <p:nvSpPr>
+          <p:cNvPr id="28" name="TextBox 27">
+            <a:extLst>
+              <a:ext uri="{FF2B5EF4-FFF2-40B4-BE49-F238E27FC236}">
+                <a16:creationId xmlns:a16="http://schemas.microsoft.com/office/drawing/2014/main" id="{33AAAD77-376C-0945-AA3F-C853C017E7DF}"/>
+              </a:ext>
+            </a:extLst>
+          </p:cNvPr>
+          <p:cNvSpPr txBox="1"/>
+          <p:nvPr/>
+        </p:nvSpPr>
+        <p:spPr>
+          <a:xfrm>
+            <a:off x="1151466" y="1689885"/>
+            <a:ext cx="2104483" cy="369332"/>
+          </a:xfrm>
+          <a:prstGeom prst="rect">
+            <a:avLst/>
+          </a:prstGeom>
+          <a:noFill/>
+        </p:spPr>
+        <p:txBody>
+          <a:bodyPr wrap="square" rtlCol="0">
+            <a:spAutoFit/>
+          </a:bodyPr>
+          <a:lstStyle/>
+          <a:p>
+            <a:pPr marL="0" marR="0" lvl="0" indent="0" algn="l" defTabSz="457200" rtl="0" eaLnBrk="1" fontAlgn="auto" latinLnBrk="0" hangingPunct="1">
+              <a:lnSpc>
+                <a:spcPct val="100000"/>
+              </a:lnSpc>
+              <a:spcBef>
+                <a:spcPts val="0"/>
+              </a:spcBef>
+              <a:spcAft>
+                <a:spcPts val="0"/>
+              </a:spcAft>
+              <a:buClrTx/>
+              <a:buSzTx/>
+              <a:buFontTx/>
+              <a:buNone/>
+              <a:tabLst/>
+              <a:defRPr/>
+            </a:pPr>
+            <a:r>
+              <a:rPr lang="en-US" b="1" dirty="0">
+                <a:solidFill>
+                  <a:srgbClr val="A6A6A6"/>
+                </a:solidFill>
+              </a:rPr>
+              <a:t>Year</a:t>
+            </a:r>
+          </a:p>
+        </p:txBody>
+      </p:sp>
+      <p:sp>
+        <p:nvSpPr>
+          <p:cNvPr id="29" name="TextBox 28">
+            <a:extLst>
+              <a:ext uri="{FF2B5EF4-FFF2-40B4-BE49-F238E27FC236}">
+                <a16:creationId xmlns:a16="http://schemas.microsoft.com/office/drawing/2014/main" id="{0C079F84-7463-5E4B-998D-937948DB36B3}"/>
+              </a:ext>
+            </a:extLst>
+          </p:cNvPr>
+          <p:cNvSpPr txBox="1"/>
+          <p:nvPr/>
+        </p:nvSpPr>
+        <p:spPr>
+          <a:xfrm>
+            <a:off x="3502825" y="1689885"/>
+            <a:ext cx="2104483" cy="369332"/>
+          </a:xfrm>
+          <a:prstGeom prst="rect">
+            <a:avLst/>
+          </a:prstGeom>
+          <a:noFill/>
+        </p:spPr>
+        <p:txBody>
+          <a:bodyPr wrap="square" rtlCol="0">
+            <a:spAutoFit/>
+          </a:bodyPr>
+          <a:lstStyle/>
+          <a:p>
+            <a:pPr marL="0" marR="0" lvl="0" indent="0" algn="l" defTabSz="457200" rtl="0" eaLnBrk="1" fontAlgn="auto" latinLnBrk="0" hangingPunct="1">
+              <a:lnSpc>
+                <a:spcPct val="100000"/>
+              </a:lnSpc>
+              <a:spcBef>
+                <a:spcPts val="0"/>
+              </a:spcBef>
+              <a:spcAft>
+                <a:spcPts val="0"/>
+              </a:spcAft>
+              <a:buClrTx/>
+              <a:buSzTx/>
+              <a:buFontTx/>
+              <a:buNone/>
+              <a:tabLst/>
+              <a:defRPr/>
+            </a:pPr>
+            <a:r>
+              <a:rPr lang="en-US" b="1" dirty="0">
+                <a:solidFill>
+                  <a:srgbClr val="A6A6A6"/>
+                </a:solidFill>
+              </a:rPr>
+              <a:t>Year</a:t>
+            </a:r>
+          </a:p>
+        </p:txBody>
+      </p:sp>
+      <p:sp>
+        <p:nvSpPr>
+          <p:cNvPr id="30" name="TextBox 29">
+            <a:extLst>
+              <a:ext uri="{FF2B5EF4-FFF2-40B4-BE49-F238E27FC236}">
+                <a16:creationId xmlns:a16="http://schemas.microsoft.com/office/drawing/2014/main" id="{DEB7CCEB-BE86-D84E-95EF-0604C0037456}"/>
+              </a:ext>
+            </a:extLst>
+          </p:cNvPr>
+          <p:cNvSpPr txBox="1"/>
+          <p:nvPr/>
+        </p:nvSpPr>
+        <p:spPr>
+          <a:xfrm>
+            <a:off x="5854184" y="1689885"/>
+            <a:ext cx="2104483" cy="369332"/>
+          </a:xfrm>
+          <a:prstGeom prst="rect">
+            <a:avLst/>
+          </a:prstGeom>
+          <a:noFill/>
+        </p:spPr>
+        <p:txBody>
+          <a:bodyPr wrap="square" rtlCol="0">
+            <a:spAutoFit/>
+          </a:bodyPr>
+          <a:lstStyle/>
+          <a:p>
+            <a:pPr marL="0" marR="0" lvl="0" indent="0" algn="l" defTabSz="457200" rtl="0" eaLnBrk="1" fontAlgn="auto" latinLnBrk="0" hangingPunct="1">
+              <a:lnSpc>
+                <a:spcPct val="100000"/>
+              </a:lnSpc>
+              <a:spcBef>
+                <a:spcPts val="0"/>
+              </a:spcBef>
+              <a:spcAft>
+                <a:spcPts val="0"/>
+              </a:spcAft>
+              <a:buClrTx/>
+              <a:buSzTx/>
+              <a:buFontTx/>
+              <a:buNone/>
+              <a:tabLst/>
+              <a:defRPr/>
+            </a:pPr>
+            <a:r>
+              <a:rPr lang="en-US" b="1" dirty="0">
+                <a:solidFill>
+                  <a:srgbClr val="A6A6A6"/>
+                </a:solidFill>
+              </a:rPr>
+              <a:t>Year</a:t>
             </a:r>
           </a:p>
         </p:txBody>
@@ -6948,7 +7382,7 @@
     </p:spTree>
     <p:extLst>
       <p:ext uri="{BB962C8B-B14F-4D97-AF65-F5344CB8AC3E}">
-        <p14:creationId xmlns:p14="http://schemas.microsoft.com/office/powerpoint/2010/main" val="4153811443"/>
+        <p14:creationId xmlns:p14="http://schemas.microsoft.com/office/powerpoint/2010/main" val="23824193"/>
       </p:ext>
     </p:extLst>
   </p:cSld>
@@ -6977,10 +7411,10 @@
       </p:grpSpPr>
       <p:sp>
         <p:nvSpPr>
-          <p:cNvPr id="4" name="Text Placeholder 2">
+          <p:cNvPr id="2" name="Picture Placeholder 1">
             <a:extLst>
               <a:ext uri="{FF2B5EF4-FFF2-40B4-BE49-F238E27FC236}">
-                <a16:creationId xmlns:a16="http://schemas.microsoft.com/office/drawing/2014/main" id="{71557DAC-EEB3-0F45-B4B1-5FA744B4B306}"/>
+                <a16:creationId xmlns:a16="http://schemas.microsoft.com/office/drawing/2014/main" id="{0971D689-2A42-C644-95AE-13F03C4EE918}"/>
               </a:ext>
             </a:extLst>
           </p:cNvPr>
@@ -6988,53 +7422,140 @@
             <a:spLocks noGrp="1"/>
           </p:cNvSpPr>
           <p:nvPr>
-            <p:ph type="body" sz="quarter" idx="10"/>
+            <p:ph type="pic" sz="quarter" idx="10"/>
           </p:nvPr>
         </p:nvSpPr>
         <p:spPr/>
-        <p:txBody>
-          <a:bodyPr/>
-          <a:lstStyle/>
-          <a:p>
-            <a:r>
-              <a:rPr lang="en-US" dirty="0"/>
-              <a:t>SECTION 2</a:t>
-            </a:r>
-          </a:p>
-        </p:txBody>
-      </p:sp>
-      <p:sp>
-        <p:nvSpPr>
-          <p:cNvPr id="8" name="Title 1">
+      </p:sp>
+      <p:sp>
+        <p:nvSpPr>
+          <p:cNvPr id="10" name="Title Placeholder 1">
             <a:extLst>
               <a:ext uri="{FF2B5EF4-FFF2-40B4-BE49-F238E27FC236}">
-                <a16:creationId xmlns:a16="http://schemas.microsoft.com/office/drawing/2014/main" id="{E093BFC2-5F5D-854C-B648-9EB8E05DE109}"/>
+                <a16:creationId xmlns:a16="http://schemas.microsoft.com/office/drawing/2014/main" id="{A2351E0E-8A83-2541-B390-E004A90F8C4D}"/>
               </a:ext>
             </a:extLst>
           </p:cNvPr>
-          <p:cNvSpPr>
-            <a:spLocks noGrp="1"/>
-          </p:cNvSpPr>
-          <p:nvPr>
-            <p:ph type="title"/>
-          </p:nvPr>
-        </p:nvSpPr>
-        <p:spPr/>
-        <p:txBody>
-          <a:bodyPr/>
-          <a:lstStyle/>
-          <a:p>
-            <a:r>
-              <a:rPr lang="en-US" dirty="0"/>
-              <a:t>Section heading option 2</a:t>
-            </a:r>
+          <p:cNvSpPr txBox="1">
+            <a:spLocks/>
+          </p:cNvSpPr>
+          <p:nvPr/>
+        </p:nvSpPr>
+        <p:spPr>
+          <a:xfrm>
+            <a:off x="6980662" y="3216562"/>
+            <a:ext cx="1576039" cy="113936"/>
+          </a:xfrm>
+          <a:prstGeom prst="rect">
+            <a:avLst/>
+          </a:prstGeom>
+        </p:spPr>
+        <p:txBody>
+          <a:bodyPr vert="horz" lIns="91440" tIns="45720" rIns="91440" bIns="45720" rtlCol="0" anchor="ctr">
+            <a:noAutofit/>
+          </a:bodyPr>
+          <a:lstStyle>
+            <a:lvl1pPr algn="l" defTabSz="457200" rtl="0" eaLnBrk="1" latinLnBrk="0" hangingPunct="1">
+              <a:spcBef>
+                <a:spcPct val="0"/>
+              </a:spcBef>
+              <a:buNone/>
+              <a:defRPr sz="3000" b="1" i="0" kern="100" spc="0">
+                <a:solidFill>
+                  <a:srgbClr val="404041"/>
+                </a:solidFill>
+                <a:latin typeface="Arial"/>
+                <a:ea typeface="+mj-ea"/>
+                <a:cs typeface="Arial"/>
+              </a:defRPr>
+            </a:lvl1pPr>
+          </a:lstStyle>
+          <a:p>
+            <a:r>
+              <a:rPr lang="en-US" sz="800" b="0" dirty="0">
+                <a:solidFill>
+                  <a:schemeClr val="bg1">
+                    <a:lumMod val="75000"/>
+                  </a:schemeClr>
+                </a:solidFill>
+              </a:rPr>
+              <a:t>Photo credit here</a:t>
+            </a:r>
+          </a:p>
+        </p:txBody>
+      </p:sp>
+      <p:sp>
+        <p:nvSpPr>
+          <p:cNvPr id="12" name="Title Placeholder 1">
+            <a:extLst>
+              <a:ext uri="{FF2B5EF4-FFF2-40B4-BE49-F238E27FC236}">
+                <a16:creationId xmlns:a16="http://schemas.microsoft.com/office/drawing/2014/main" id="{DF84C7BC-D6D0-534E-8712-105AA91C45DE}"/>
+              </a:ext>
+            </a:extLst>
+          </p:cNvPr>
+          <p:cNvSpPr txBox="1">
+            <a:spLocks/>
+          </p:cNvSpPr>
+          <p:nvPr/>
+        </p:nvSpPr>
+        <p:spPr>
+          <a:xfrm>
+            <a:off x="6980662" y="1926937"/>
+            <a:ext cx="1650382" cy="1158233"/>
+          </a:xfrm>
+          <a:prstGeom prst="rect">
+            <a:avLst/>
+          </a:prstGeom>
+        </p:spPr>
+        <p:txBody>
+          <a:bodyPr vert="horz" lIns="91440" tIns="45720" rIns="91440" bIns="45720" rtlCol="0" anchor="ctr">
+            <a:noAutofit/>
+          </a:bodyPr>
+          <a:lstStyle>
+            <a:lvl1pPr algn="l" defTabSz="457200" rtl="0" eaLnBrk="1" latinLnBrk="0" hangingPunct="1">
+              <a:spcBef>
+                <a:spcPct val="0"/>
+              </a:spcBef>
+              <a:buNone/>
+              <a:defRPr sz="3000" b="1" i="0" kern="100" spc="0">
+                <a:solidFill>
+                  <a:srgbClr val="404041"/>
+                </a:solidFill>
+                <a:latin typeface="Arial"/>
+                <a:ea typeface="+mj-ea"/>
+                <a:cs typeface="Arial"/>
+              </a:defRPr>
+            </a:lvl1pPr>
+          </a:lstStyle>
+          <a:p>
+            <a:r>
+              <a:rPr lang="en-US" sz="1000" b="0" dirty="0">
+                <a:solidFill>
+                  <a:schemeClr val="tx1"/>
+                </a:solidFill>
+              </a:rPr>
+              <a:t>Photo caption can be entered here to the desired length. Tell people about the historical significance of the image or point out relevant pieces </a:t>
+            </a:r>
+            <a:r>
+              <a:rPr lang="en-US" sz="1000" b="0">
+                <a:solidFill>
+                  <a:schemeClr val="tx1"/>
+                </a:solidFill>
+              </a:rPr>
+              <a:t>of information.</a:t>
+            </a:r>
+            <a:endParaRPr lang="en-US" sz="1000" b="0" dirty="0">
+              <a:solidFill>
+                <a:schemeClr val="tx1"/>
+              </a:solidFill>
+            </a:endParaRPr>
           </a:p>
         </p:txBody>
       </p:sp>
     </p:spTree>
     <p:extLst>
       <p:ext uri="{BB962C8B-B14F-4D97-AF65-F5344CB8AC3E}">
-        <p14:creationId xmlns:p14="http://schemas.microsoft.com/office/powerpoint/2010/main" val="3486103718"/>
+        <p14:creationId xmlns:p14="http://schemas.microsoft.com/office/powerpoint/2010/main" val="2694088116"/>
       </p:ext>
     </p:extLst>
   </p:cSld>
@@ -7063,279 +7584,52 @@
       </p:grpSpPr>
       <p:sp>
         <p:nvSpPr>
-          <p:cNvPr id="11" name="Title 1">
-            <a:extLst>
-              <a:ext uri="{FF2B5EF4-FFF2-40B4-BE49-F238E27FC236}">
-                <a16:creationId xmlns:a16="http://schemas.microsoft.com/office/drawing/2014/main" id="{5A4C5487-4EE0-244C-93C6-2B32D30FE06F}"/>
-              </a:ext>
-            </a:extLst>
-          </p:cNvPr>
+          <p:cNvPr id="2" name="Title 1"/>
           <p:cNvSpPr>
             <a:spLocks noGrp="1"/>
           </p:cNvSpPr>
           <p:nvPr>
-            <p:ph type="ctrTitle"/>
-          </p:nvPr>
-        </p:nvSpPr>
-        <p:spPr>
-          <a:xfrm>
-            <a:off x="1168400" y="1108694"/>
-            <a:ext cx="7365818" cy="699065"/>
-          </a:xfrm>
-        </p:spPr>
+            <p:ph type="title"/>
+          </p:nvPr>
+        </p:nvSpPr>
+        <p:spPr/>
         <p:txBody>
           <a:bodyPr/>
           <a:lstStyle/>
           <a:p>
             <a:r>
               <a:rPr lang="en-US" dirty="0"/>
-              <a:t>Click to add engaging text</a:t>
-            </a:r>
-          </a:p>
-        </p:txBody>
-      </p:sp>
-      <p:sp>
-        <p:nvSpPr>
-          <p:cNvPr id="12" name="Content Placeholder 3">
-            <a:extLst>
-              <a:ext uri="{FF2B5EF4-FFF2-40B4-BE49-F238E27FC236}">
-                <a16:creationId xmlns:a16="http://schemas.microsoft.com/office/drawing/2014/main" id="{71241455-746C-D748-8714-5319089614A7}"/>
-              </a:ext>
-            </a:extLst>
-          </p:cNvPr>
-          <p:cNvSpPr txBox="1">
-            <a:spLocks/>
-          </p:cNvSpPr>
-          <p:nvPr/>
-        </p:nvSpPr>
-        <p:spPr>
-          <a:xfrm>
-            <a:off x="1168400" y="1979028"/>
-            <a:ext cx="7366018" cy="2810633"/>
-          </a:xfrm>
-          <a:prstGeom prst="rect">
-            <a:avLst/>
-          </a:prstGeom>
-        </p:spPr>
-        <p:txBody>
-          <a:bodyPr vert="horz" lIns="91440" tIns="45720" rIns="91440" bIns="45720" rtlCol="0">
-            <a:normAutofit/>
-          </a:bodyPr>
-          <a:lstStyle>
-            <a:lvl1pPr marL="342900" indent="-342900" algn="l" defTabSz="457200" rtl="0" eaLnBrk="1" latinLnBrk="0" hangingPunct="1">
-              <a:lnSpc>
-                <a:spcPct val="100000"/>
-              </a:lnSpc>
-              <a:spcBef>
-                <a:spcPts val="0"/>
-              </a:spcBef>
-              <a:spcAft>
-                <a:spcPts val="1800"/>
-              </a:spcAft>
-              <a:buClr>
-                <a:schemeClr val="tx1">
-                  <a:lumMod val="50000"/>
-                  <a:lumOff val="50000"/>
-                </a:schemeClr>
-              </a:buClr>
-              <a:buSzPct val="100000"/>
-              <a:buFont typeface="+mj-lt"/>
-              <a:buAutoNum type="arabicPeriod"/>
-              <a:defRPr sz="1800" kern="1200" spc="0">
-                <a:solidFill>
-                  <a:schemeClr val="bg1"/>
-                </a:solidFill>
-                <a:latin typeface="Arial"/>
-                <a:ea typeface="+mn-ea"/>
-                <a:cs typeface="Arial"/>
-              </a:defRPr>
-            </a:lvl1pPr>
-            <a:lvl2pPr marL="457200" indent="0" algn="ctr" defTabSz="457200" rtl="0" eaLnBrk="1" latinLnBrk="0" hangingPunct="1">
-              <a:lnSpc>
-                <a:spcPct val="100000"/>
-              </a:lnSpc>
-              <a:spcBef>
-                <a:spcPts val="0"/>
-              </a:spcBef>
-              <a:spcAft>
-                <a:spcPts val="1800"/>
-              </a:spcAft>
-              <a:buFont typeface="Arial"/>
-              <a:buNone/>
-              <a:defRPr sz="1800" kern="1200">
-                <a:solidFill>
-                  <a:schemeClr val="tx1">
-                    <a:tint val="75000"/>
-                  </a:schemeClr>
-                </a:solidFill>
-                <a:latin typeface="Arial"/>
-                <a:ea typeface="+mn-ea"/>
-                <a:cs typeface="Arial"/>
-              </a:defRPr>
-            </a:lvl2pPr>
-            <a:lvl3pPr marL="914400" indent="0" algn="ctr" defTabSz="457200" rtl="0" eaLnBrk="1" latinLnBrk="0" hangingPunct="1">
-              <a:lnSpc>
-                <a:spcPct val="100000"/>
-              </a:lnSpc>
-              <a:spcBef>
-                <a:spcPts val="0"/>
-              </a:spcBef>
-              <a:spcAft>
-                <a:spcPts val="1800"/>
-              </a:spcAft>
-              <a:buFont typeface="Arial"/>
-              <a:buNone/>
-              <a:defRPr sz="1800" kern="1200">
-                <a:solidFill>
-                  <a:schemeClr val="tx1">
-                    <a:tint val="75000"/>
-                  </a:schemeClr>
-                </a:solidFill>
-                <a:latin typeface="Arial"/>
-                <a:ea typeface="+mn-ea"/>
-                <a:cs typeface="Arial"/>
-              </a:defRPr>
-            </a:lvl3pPr>
-            <a:lvl4pPr marL="1371600" indent="0" algn="ctr" defTabSz="457200" rtl="0" eaLnBrk="1" latinLnBrk="0" hangingPunct="1">
-              <a:lnSpc>
-                <a:spcPct val="100000"/>
-              </a:lnSpc>
-              <a:spcBef>
-                <a:spcPts val="0"/>
-              </a:spcBef>
-              <a:spcAft>
-                <a:spcPts val="1800"/>
-              </a:spcAft>
-              <a:buFont typeface="Arial"/>
-              <a:buNone/>
-              <a:defRPr sz="1800" kern="1200">
-                <a:solidFill>
-                  <a:schemeClr val="tx1">
-                    <a:tint val="75000"/>
-                  </a:schemeClr>
-                </a:solidFill>
-                <a:latin typeface="Arial"/>
-                <a:ea typeface="+mn-ea"/>
-                <a:cs typeface="Arial"/>
-              </a:defRPr>
-            </a:lvl4pPr>
-            <a:lvl5pPr marL="1828800" indent="0" algn="ctr" defTabSz="457200" rtl="0" eaLnBrk="1" latinLnBrk="0" hangingPunct="1">
-              <a:lnSpc>
-                <a:spcPct val="100000"/>
-              </a:lnSpc>
-              <a:spcBef>
-                <a:spcPts val="0"/>
-              </a:spcBef>
-              <a:spcAft>
-                <a:spcPts val="1800"/>
-              </a:spcAft>
-              <a:buFont typeface="Arial"/>
-              <a:buNone/>
-              <a:defRPr sz="1800" kern="1200">
-                <a:solidFill>
-                  <a:schemeClr val="tx1">
-                    <a:tint val="75000"/>
-                  </a:schemeClr>
-                </a:solidFill>
-                <a:latin typeface="Arial"/>
-                <a:ea typeface="+mn-ea"/>
-                <a:cs typeface="Arial"/>
-              </a:defRPr>
-            </a:lvl5pPr>
-            <a:lvl6pPr marL="2286000" indent="0" algn="ctr" defTabSz="457200" rtl="0" eaLnBrk="1" latinLnBrk="0" hangingPunct="1">
-              <a:spcBef>
-                <a:spcPct val="20000"/>
-              </a:spcBef>
-              <a:buFont typeface="Arial"/>
-              <a:buNone/>
-              <a:defRPr sz="2000" kern="1200">
-                <a:solidFill>
-                  <a:schemeClr val="tx1">
-                    <a:tint val="75000"/>
-                  </a:schemeClr>
-                </a:solidFill>
-                <a:latin typeface="+mn-lt"/>
-                <a:ea typeface="+mn-ea"/>
-                <a:cs typeface="+mn-cs"/>
-              </a:defRPr>
-            </a:lvl6pPr>
-            <a:lvl7pPr marL="2743200" indent="0" algn="ctr" defTabSz="457200" rtl="0" eaLnBrk="1" latinLnBrk="0" hangingPunct="1">
-              <a:spcBef>
-                <a:spcPct val="20000"/>
-              </a:spcBef>
-              <a:buFont typeface="Arial"/>
-              <a:buNone/>
-              <a:defRPr sz="2000" kern="1200">
-                <a:solidFill>
-                  <a:schemeClr val="tx1">
-                    <a:tint val="75000"/>
-                  </a:schemeClr>
-                </a:solidFill>
-                <a:latin typeface="+mn-lt"/>
-                <a:ea typeface="+mn-ea"/>
-                <a:cs typeface="+mn-cs"/>
-              </a:defRPr>
-            </a:lvl7pPr>
-            <a:lvl8pPr marL="3200400" indent="0" algn="ctr" defTabSz="457200" rtl="0" eaLnBrk="1" latinLnBrk="0" hangingPunct="1">
-              <a:spcBef>
-                <a:spcPct val="20000"/>
-              </a:spcBef>
-              <a:buFont typeface="Arial"/>
-              <a:buNone/>
-              <a:defRPr sz="2000" kern="1200">
-                <a:solidFill>
-                  <a:schemeClr val="tx1">
-                    <a:tint val="75000"/>
-                  </a:schemeClr>
-                </a:solidFill>
-                <a:latin typeface="+mn-lt"/>
-                <a:ea typeface="+mn-ea"/>
-                <a:cs typeface="+mn-cs"/>
-              </a:defRPr>
-            </a:lvl8pPr>
-            <a:lvl9pPr marL="3657600" indent="0" algn="ctr" defTabSz="457200" rtl="0" eaLnBrk="1" latinLnBrk="0" hangingPunct="1">
-              <a:spcBef>
-                <a:spcPct val="20000"/>
-              </a:spcBef>
-              <a:buFont typeface="Arial"/>
-              <a:buNone/>
-              <a:defRPr sz="2000" kern="1200">
-                <a:solidFill>
-                  <a:schemeClr val="tx1">
-                    <a:tint val="75000"/>
-                  </a:schemeClr>
-                </a:solidFill>
-                <a:latin typeface="+mn-lt"/>
-                <a:ea typeface="+mn-ea"/>
-                <a:cs typeface="+mn-cs"/>
-              </a:defRPr>
-            </a:lvl9pPr>
-          </a:lstStyle>
+              <a:t>Section heading option 1</a:t>
+            </a:r>
+          </a:p>
+        </p:txBody>
+      </p:sp>
+      <p:sp>
+        <p:nvSpPr>
+          <p:cNvPr id="3" name="Text Placeholder 2"/>
+          <p:cNvSpPr>
+            <a:spLocks noGrp="1"/>
+          </p:cNvSpPr>
+          <p:nvPr>
+            <p:ph type="body" sz="quarter" idx="10"/>
+          </p:nvPr>
+        </p:nvSpPr>
+        <p:spPr/>
+        <p:txBody>
+          <a:bodyPr/>
+          <a:lstStyle/>
           <a:p>
             <a:r>
               <a:rPr lang="en-US" dirty="0"/>
-              <a:t>Make your concise point here. </a:t>
-            </a:r>
-          </a:p>
-          <a:p>
-            <a:r>
-              <a:rPr lang="en-US" dirty="0"/>
-              <a:t>Slides with multiple paragraphs of text have shown to significantly decrease the attention of the audience.</a:t>
-            </a:r>
-          </a:p>
-          <a:p>
-            <a:r>
-              <a:rPr lang="en-US"/>
-              <a:t>Let your slides breathe—it lets the audience listen to you.</a:t>
-            </a:r>
-            <a:endParaRPr lang="en-US" dirty="0"/>
+              <a:t>SECTION 2</a:t>
+            </a:r>
           </a:p>
         </p:txBody>
       </p:sp>
     </p:spTree>
     <p:extLst>
       <p:ext uri="{BB962C8B-B14F-4D97-AF65-F5344CB8AC3E}">
-        <p14:creationId xmlns:p14="http://schemas.microsoft.com/office/powerpoint/2010/main" val="2835830822"/>
+        <p14:creationId xmlns:p14="http://schemas.microsoft.com/office/powerpoint/2010/main" val="4153811443"/>
       </p:ext>
     </p:extLst>
   </p:cSld>
@@ -7364,99 +7658,10 @@
       </p:grpSpPr>
       <p:sp>
         <p:nvSpPr>
-          <p:cNvPr id="2" name="Title 1"/>
-          <p:cNvSpPr>
-            <a:spLocks noGrp="1"/>
-          </p:cNvSpPr>
-          <p:nvPr>
-            <p:ph type="title"/>
-          </p:nvPr>
-        </p:nvSpPr>
-        <p:spPr>
-          <a:xfrm>
-            <a:off x="1090862" y="962981"/>
-            <a:ext cx="4166937" cy="484819"/>
-          </a:xfrm>
-        </p:spPr>
-        <p:txBody>
-          <a:bodyPr/>
-          <a:lstStyle/>
-          <a:p>
-            <a:r>
-              <a:rPr lang="en-US" dirty="0"/>
-              <a:t>Click to add headline</a:t>
-            </a:r>
-          </a:p>
-        </p:txBody>
-      </p:sp>
-      <p:sp>
-        <p:nvSpPr>
-          <p:cNvPr id="3" name="Content Placeholder 2"/>
-          <p:cNvSpPr>
-            <a:spLocks noGrp="1"/>
-          </p:cNvSpPr>
-          <p:nvPr>
-            <p:ph idx="1"/>
-          </p:nvPr>
-        </p:nvSpPr>
-        <p:spPr>
-          <a:xfrm>
-            <a:off x="1090863" y="1684868"/>
-            <a:ext cx="4251604" cy="2495652"/>
-          </a:xfrm>
-        </p:spPr>
-        <p:txBody>
-          <a:bodyPr>
-            <a:normAutofit fontScale="92500"/>
-          </a:bodyPr>
-          <a:lstStyle/>
-          <a:p>
-            <a:r>
-              <a:rPr lang="en-US" dirty="0"/>
-              <a:t>Keep your message </a:t>
-            </a:r>
-            <a:r>
-              <a:rPr lang="en-US" b="1" dirty="0"/>
-              <a:t>short</a:t>
-            </a:r>
-            <a:r>
-              <a:rPr lang="en-US" dirty="0"/>
-              <a:t> and </a:t>
-            </a:r>
-            <a:r>
-              <a:rPr lang="en-US" b="1" dirty="0"/>
-              <a:t>concise</a:t>
-            </a:r>
-            <a:r>
-              <a:rPr lang="en-US" dirty="0"/>
-              <a:t>. No one wants to read a PowerPoint that rivals </a:t>
-            </a:r>
-            <a:r>
-              <a:rPr lang="en-US" i="1" dirty="0"/>
-              <a:t>War and Peace.</a:t>
-            </a:r>
-            <a:endParaRPr lang="en-US" dirty="0"/>
-          </a:p>
-          <a:p>
-            <a:r>
-              <a:rPr lang="en-US" dirty="0"/>
-              <a:t>Use color, size, and weight to add emphasis.</a:t>
-            </a:r>
-          </a:p>
-          <a:p>
-            <a:r>
-              <a:rPr lang="en-US" dirty="0"/>
-              <a:t>Add images that support your content.</a:t>
-            </a:r>
-          </a:p>
-        </p:txBody>
-      </p:sp>
-      <p:sp>
-        <p:nvSpPr>
-          <p:cNvPr id="6" name="Picture Placeholder 5">
+          <p:cNvPr id="4" name="Text Placeholder 2">
             <a:extLst>
               <a:ext uri="{FF2B5EF4-FFF2-40B4-BE49-F238E27FC236}">
-                <a16:creationId xmlns:a16="http://schemas.microsoft.com/office/drawing/2014/main" id="{C78E1B6B-CB89-E24C-9D95-F38C8BCC1F47}"/>
+                <a16:creationId xmlns:a16="http://schemas.microsoft.com/office/drawing/2014/main" id="{71557DAC-EEB3-0F45-B4B1-5FA744B4B306}"/>
               </a:ext>
             </a:extLst>
           </p:cNvPr>
@@ -7464,70 +7669,45 @@
             <a:spLocks noGrp="1"/>
           </p:cNvSpPr>
           <p:nvPr>
-            <p:ph type="pic" sz="quarter" idx="10"/>
-          </p:nvPr>
-        </p:nvSpPr>
-        <p:spPr>
-          <a:xfrm>
-            <a:off x="5689600" y="962981"/>
-            <a:ext cx="3164980" cy="3217539"/>
-          </a:xfrm>
-        </p:spPr>
-      </p:sp>
-      <p:sp>
-        <p:nvSpPr>
-          <p:cNvPr id="5" name="Title Placeholder 1">
+            <p:ph type="body" sz="quarter" idx="10"/>
+          </p:nvPr>
+        </p:nvSpPr>
+        <p:spPr/>
+        <p:txBody>
+          <a:bodyPr/>
+          <a:lstStyle/>
+          <a:p>
+            <a:r>
+              <a:rPr lang="en-US" dirty="0"/>
+              <a:t>SECTION 2</a:t>
+            </a:r>
+          </a:p>
+        </p:txBody>
+      </p:sp>
+      <p:sp>
+        <p:nvSpPr>
+          <p:cNvPr id="8" name="Title 1">
             <a:extLst>
               <a:ext uri="{FF2B5EF4-FFF2-40B4-BE49-F238E27FC236}">
-                <a16:creationId xmlns:a16="http://schemas.microsoft.com/office/drawing/2014/main" id="{3672833B-104B-004A-B7B2-08702BC5C46C}"/>
+                <a16:creationId xmlns:a16="http://schemas.microsoft.com/office/drawing/2014/main" id="{E093BFC2-5F5D-854C-B648-9EB8E05DE109}"/>
               </a:ext>
             </a:extLst>
           </p:cNvPr>
-          <p:cNvSpPr txBox="1">
-            <a:spLocks/>
-          </p:cNvSpPr>
-          <p:nvPr/>
-        </p:nvSpPr>
-        <p:spPr>
-          <a:xfrm>
-            <a:off x="5564910" y="4755430"/>
-            <a:ext cx="3289669" cy="164913"/>
-          </a:xfrm>
-          <a:prstGeom prst="rect">
-            <a:avLst/>
-          </a:prstGeom>
-        </p:spPr>
-        <p:txBody>
-          <a:bodyPr vert="horz" lIns="91440" tIns="45720" rIns="91440" bIns="45720" rtlCol="0" anchor="ctr">
-            <a:noAutofit/>
-          </a:bodyPr>
-          <a:lstStyle>
-            <a:lvl1pPr algn="l" defTabSz="457200" rtl="0" eaLnBrk="1" latinLnBrk="0" hangingPunct="1">
-              <a:spcBef>
-                <a:spcPct val="0"/>
-              </a:spcBef>
-              <a:buNone/>
-              <a:defRPr sz="3000" b="1" i="0" kern="100" spc="0">
-                <a:solidFill>
-                  <a:srgbClr val="404041"/>
-                </a:solidFill>
-                <a:latin typeface="Arial"/>
-                <a:ea typeface="+mj-ea"/>
-                <a:cs typeface="Arial"/>
-              </a:defRPr>
-            </a:lvl1pPr>
-          </a:lstStyle>
-          <a:p>
-            <a:pPr algn="r"/>
-            <a:r>
-              <a:rPr lang="en-US" sz="800" b="0" dirty="0">
-                <a:solidFill>
-                  <a:schemeClr val="bg1">
-                    <a:lumMod val="75000"/>
-                  </a:schemeClr>
-                </a:solidFill>
-              </a:rPr>
-              <a:t>Photo credit here</a:t>
+          <p:cNvSpPr>
+            <a:spLocks noGrp="1"/>
+          </p:cNvSpPr>
+          <p:nvPr>
+            <p:ph type="title"/>
+          </p:nvPr>
+        </p:nvSpPr>
+        <p:spPr/>
+        <p:txBody>
+          <a:bodyPr/>
+          <a:lstStyle/>
+          <a:p>
+            <a:r>
+              <a:rPr lang="en-US" dirty="0"/>
+              <a:t>Section heading option 2</a:t>
             </a:r>
           </a:p>
         </p:txBody>
@@ -7535,7 +7715,7 @@
     </p:spTree>
     <p:extLst>
       <p:ext uri="{BB962C8B-B14F-4D97-AF65-F5344CB8AC3E}">
-        <p14:creationId xmlns:p14="http://schemas.microsoft.com/office/powerpoint/2010/main" val="1082539397"/>
+        <p14:creationId xmlns:p14="http://schemas.microsoft.com/office/powerpoint/2010/main" val="3486103718"/>
       </p:ext>
     </p:extLst>
   </p:cSld>
@@ -7564,10 +7744,10 @@
       </p:grpSpPr>
       <p:sp>
         <p:nvSpPr>
-          <p:cNvPr id="5" name="Content Placeholder 4">
+          <p:cNvPr id="11" name="Title 1">
             <a:extLst>
               <a:ext uri="{FF2B5EF4-FFF2-40B4-BE49-F238E27FC236}">
-                <a16:creationId xmlns:a16="http://schemas.microsoft.com/office/drawing/2014/main" id="{4F5CFC3E-0968-5D45-A0EE-0E9A85979DA7}"/>
+                <a16:creationId xmlns:a16="http://schemas.microsoft.com/office/drawing/2014/main" id="{5A4C5487-4EE0-244C-93C6-2B32D30FE06F}"/>
               </a:ext>
             </a:extLst>
           </p:cNvPr>
@@ -7575,34 +7755,268 @@
             <a:spLocks noGrp="1"/>
           </p:cNvSpPr>
           <p:nvPr>
-            <p:ph idx="1"/>
-          </p:nvPr>
-        </p:nvSpPr>
-        <p:spPr/>
+            <p:ph type="ctrTitle"/>
+          </p:nvPr>
+        </p:nvSpPr>
+        <p:spPr>
+          <a:xfrm>
+            <a:off x="1168400" y="1108694"/>
+            <a:ext cx="7365818" cy="699065"/>
+          </a:xfrm>
+        </p:spPr>
         <p:txBody>
           <a:bodyPr/>
           <a:lstStyle/>
           <a:p>
-            <a:pPr lvl="0"/>
             <a:r>
               <a:rPr lang="en-US" dirty="0"/>
-              <a:t>Insert a relevant quote here. During the Bicentennial year remember that notable alumni can provide a unique perspective on the accomplishments and successes of your school, department, or unit.</a:t>
-            </a:r>
-            <a:r>
-              <a:rPr lang="en-US" i="0" dirty="0">
+              <a:t>Click to add engaging text</a:t>
+            </a:r>
+          </a:p>
+        </p:txBody>
+      </p:sp>
+      <p:sp>
+        <p:nvSpPr>
+          <p:cNvPr id="12" name="Content Placeholder 3">
+            <a:extLst>
+              <a:ext uri="{FF2B5EF4-FFF2-40B4-BE49-F238E27FC236}">
+                <a16:creationId xmlns:a16="http://schemas.microsoft.com/office/drawing/2014/main" id="{71241455-746C-D748-8714-5319089614A7}"/>
+              </a:ext>
+            </a:extLst>
+          </p:cNvPr>
+          <p:cNvSpPr txBox="1">
+            <a:spLocks/>
+          </p:cNvSpPr>
+          <p:nvPr/>
+        </p:nvSpPr>
+        <p:spPr>
+          <a:xfrm>
+            <a:off x="1168400" y="1979028"/>
+            <a:ext cx="7366018" cy="2810633"/>
+          </a:xfrm>
+          <a:prstGeom prst="rect">
+            <a:avLst/>
+          </a:prstGeom>
+        </p:spPr>
+        <p:txBody>
+          <a:bodyPr vert="horz" lIns="91440" tIns="45720" rIns="91440" bIns="45720" rtlCol="0">
+            <a:normAutofit/>
+          </a:bodyPr>
+          <a:lstStyle>
+            <a:lvl1pPr marL="342900" indent="-342900" algn="l" defTabSz="457200" rtl="0" eaLnBrk="1" latinLnBrk="0" hangingPunct="1">
+              <a:lnSpc>
+                <a:spcPct val="100000"/>
+              </a:lnSpc>
+              <a:spcBef>
+                <a:spcPts val="0"/>
+              </a:spcBef>
+              <a:spcAft>
+                <a:spcPts val="1800"/>
+              </a:spcAft>
+              <a:buClr>
+                <a:schemeClr val="tx1">
+                  <a:lumMod val="50000"/>
+                  <a:lumOff val="50000"/>
+                </a:schemeClr>
+              </a:buClr>
+              <a:buSzPct val="100000"/>
+              <a:buFont typeface="+mj-lt"/>
+              <a:buAutoNum type="arabicPeriod"/>
+              <a:defRPr sz="1800" kern="1200" spc="0">
                 <a:solidFill>
                   <a:schemeClr val="bg1"/>
                 </a:solidFill>
-              </a:rPr>
-              <a:t>”</a:t>
-            </a:r>
+                <a:latin typeface="Arial"/>
+                <a:ea typeface="+mn-ea"/>
+                <a:cs typeface="Arial"/>
+              </a:defRPr>
+            </a:lvl1pPr>
+            <a:lvl2pPr marL="457200" indent="0" algn="ctr" defTabSz="457200" rtl="0" eaLnBrk="1" latinLnBrk="0" hangingPunct="1">
+              <a:lnSpc>
+                <a:spcPct val="100000"/>
+              </a:lnSpc>
+              <a:spcBef>
+                <a:spcPts val="0"/>
+              </a:spcBef>
+              <a:spcAft>
+                <a:spcPts val="1800"/>
+              </a:spcAft>
+              <a:buFont typeface="Arial"/>
+              <a:buNone/>
+              <a:defRPr sz="1800" kern="1200">
+                <a:solidFill>
+                  <a:schemeClr val="tx1">
+                    <a:tint val="75000"/>
+                  </a:schemeClr>
+                </a:solidFill>
+                <a:latin typeface="Arial"/>
+                <a:ea typeface="+mn-ea"/>
+                <a:cs typeface="Arial"/>
+              </a:defRPr>
+            </a:lvl2pPr>
+            <a:lvl3pPr marL="914400" indent="0" algn="ctr" defTabSz="457200" rtl="0" eaLnBrk="1" latinLnBrk="0" hangingPunct="1">
+              <a:lnSpc>
+                <a:spcPct val="100000"/>
+              </a:lnSpc>
+              <a:spcBef>
+                <a:spcPts val="0"/>
+              </a:spcBef>
+              <a:spcAft>
+                <a:spcPts val="1800"/>
+              </a:spcAft>
+              <a:buFont typeface="Arial"/>
+              <a:buNone/>
+              <a:defRPr sz="1800" kern="1200">
+                <a:solidFill>
+                  <a:schemeClr val="tx1">
+                    <a:tint val="75000"/>
+                  </a:schemeClr>
+                </a:solidFill>
+                <a:latin typeface="Arial"/>
+                <a:ea typeface="+mn-ea"/>
+                <a:cs typeface="Arial"/>
+              </a:defRPr>
+            </a:lvl3pPr>
+            <a:lvl4pPr marL="1371600" indent="0" algn="ctr" defTabSz="457200" rtl="0" eaLnBrk="1" latinLnBrk="0" hangingPunct="1">
+              <a:lnSpc>
+                <a:spcPct val="100000"/>
+              </a:lnSpc>
+              <a:spcBef>
+                <a:spcPts val="0"/>
+              </a:spcBef>
+              <a:spcAft>
+                <a:spcPts val="1800"/>
+              </a:spcAft>
+              <a:buFont typeface="Arial"/>
+              <a:buNone/>
+              <a:defRPr sz="1800" kern="1200">
+                <a:solidFill>
+                  <a:schemeClr val="tx1">
+                    <a:tint val="75000"/>
+                  </a:schemeClr>
+                </a:solidFill>
+                <a:latin typeface="Arial"/>
+                <a:ea typeface="+mn-ea"/>
+                <a:cs typeface="Arial"/>
+              </a:defRPr>
+            </a:lvl4pPr>
+            <a:lvl5pPr marL="1828800" indent="0" algn="ctr" defTabSz="457200" rtl="0" eaLnBrk="1" latinLnBrk="0" hangingPunct="1">
+              <a:lnSpc>
+                <a:spcPct val="100000"/>
+              </a:lnSpc>
+              <a:spcBef>
+                <a:spcPts val="0"/>
+              </a:spcBef>
+              <a:spcAft>
+                <a:spcPts val="1800"/>
+              </a:spcAft>
+              <a:buFont typeface="Arial"/>
+              <a:buNone/>
+              <a:defRPr sz="1800" kern="1200">
+                <a:solidFill>
+                  <a:schemeClr val="tx1">
+                    <a:tint val="75000"/>
+                  </a:schemeClr>
+                </a:solidFill>
+                <a:latin typeface="Arial"/>
+                <a:ea typeface="+mn-ea"/>
+                <a:cs typeface="Arial"/>
+              </a:defRPr>
+            </a:lvl5pPr>
+            <a:lvl6pPr marL="2286000" indent="0" algn="ctr" defTabSz="457200" rtl="0" eaLnBrk="1" latinLnBrk="0" hangingPunct="1">
+              <a:spcBef>
+                <a:spcPct val="20000"/>
+              </a:spcBef>
+              <a:buFont typeface="Arial"/>
+              <a:buNone/>
+              <a:defRPr sz="2000" kern="1200">
+                <a:solidFill>
+                  <a:schemeClr val="tx1">
+                    <a:tint val="75000"/>
+                  </a:schemeClr>
+                </a:solidFill>
+                <a:latin typeface="+mn-lt"/>
+                <a:ea typeface="+mn-ea"/>
+                <a:cs typeface="+mn-cs"/>
+              </a:defRPr>
+            </a:lvl6pPr>
+            <a:lvl7pPr marL="2743200" indent="0" algn="ctr" defTabSz="457200" rtl="0" eaLnBrk="1" latinLnBrk="0" hangingPunct="1">
+              <a:spcBef>
+                <a:spcPct val="20000"/>
+              </a:spcBef>
+              <a:buFont typeface="Arial"/>
+              <a:buNone/>
+              <a:defRPr sz="2000" kern="1200">
+                <a:solidFill>
+                  <a:schemeClr val="tx1">
+                    <a:tint val="75000"/>
+                  </a:schemeClr>
+                </a:solidFill>
+                <a:latin typeface="+mn-lt"/>
+                <a:ea typeface="+mn-ea"/>
+                <a:cs typeface="+mn-cs"/>
+              </a:defRPr>
+            </a:lvl7pPr>
+            <a:lvl8pPr marL="3200400" indent="0" algn="ctr" defTabSz="457200" rtl="0" eaLnBrk="1" latinLnBrk="0" hangingPunct="1">
+              <a:spcBef>
+                <a:spcPct val="20000"/>
+              </a:spcBef>
+              <a:buFont typeface="Arial"/>
+              <a:buNone/>
+              <a:defRPr sz="2000" kern="1200">
+                <a:solidFill>
+                  <a:schemeClr val="tx1">
+                    <a:tint val="75000"/>
+                  </a:schemeClr>
+                </a:solidFill>
+                <a:latin typeface="+mn-lt"/>
+                <a:ea typeface="+mn-ea"/>
+                <a:cs typeface="+mn-cs"/>
+              </a:defRPr>
+            </a:lvl8pPr>
+            <a:lvl9pPr marL="3657600" indent="0" algn="ctr" defTabSz="457200" rtl="0" eaLnBrk="1" latinLnBrk="0" hangingPunct="1">
+              <a:spcBef>
+                <a:spcPct val="20000"/>
+              </a:spcBef>
+              <a:buFont typeface="Arial"/>
+              <a:buNone/>
+              <a:defRPr sz="2000" kern="1200">
+                <a:solidFill>
+                  <a:schemeClr val="tx1">
+                    <a:tint val="75000"/>
+                  </a:schemeClr>
+                </a:solidFill>
+                <a:latin typeface="+mn-lt"/>
+                <a:ea typeface="+mn-ea"/>
+                <a:cs typeface="+mn-cs"/>
+              </a:defRPr>
+            </a:lvl9pPr>
+          </a:lstStyle>
+          <a:p>
+            <a:r>
+              <a:rPr lang="en-US" dirty="0"/>
+              <a:t>Make your concise point here. </a:t>
+            </a:r>
+          </a:p>
+          <a:p>
+            <a:r>
+              <a:rPr lang="en-US" dirty="0"/>
+              <a:t>Slides with multiple paragraphs of text have shown to significantly decrease the attention of the audience.</a:t>
+            </a:r>
+          </a:p>
+          <a:p>
+            <a:r>
+              <a:rPr lang="en-US"/>
+              <a:t>Let your slides breathe—it lets the audience listen to you.</a:t>
+            </a:r>
+            <a:endParaRPr lang="en-US" dirty="0"/>
           </a:p>
         </p:txBody>
       </p:sp>
     </p:spTree>
     <p:extLst>
       <p:ext uri="{BB962C8B-B14F-4D97-AF65-F5344CB8AC3E}">
-        <p14:creationId xmlns:p14="http://schemas.microsoft.com/office/powerpoint/2010/main" val="4077717197"/>
+        <p14:creationId xmlns:p14="http://schemas.microsoft.com/office/powerpoint/2010/main" val="2835830822"/>
       </p:ext>
     </p:extLst>
   </p:cSld>
@@ -7631,10 +8045,99 @@
       </p:grpSpPr>
       <p:sp>
         <p:nvSpPr>
-          <p:cNvPr id="2" name="Content Placeholder 1">
+          <p:cNvPr id="2" name="Title 1"/>
+          <p:cNvSpPr>
+            <a:spLocks noGrp="1"/>
+          </p:cNvSpPr>
+          <p:nvPr>
+            <p:ph type="title"/>
+          </p:nvPr>
+        </p:nvSpPr>
+        <p:spPr>
+          <a:xfrm>
+            <a:off x="1090862" y="962981"/>
+            <a:ext cx="4166937" cy="484819"/>
+          </a:xfrm>
+        </p:spPr>
+        <p:txBody>
+          <a:bodyPr/>
+          <a:lstStyle/>
+          <a:p>
+            <a:r>
+              <a:rPr lang="en-US" dirty="0"/>
+              <a:t>Click to add headline</a:t>
+            </a:r>
+          </a:p>
+        </p:txBody>
+      </p:sp>
+      <p:sp>
+        <p:nvSpPr>
+          <p:cNvPr id="3" name="Content Placeholder 2"/>
+          <p:cNvSpPr>
+            <a:spLocks noGrp="1"/>
+          </p:cNvSpPr>
+          <p:nvPr>
+            <p:ph idx="1"/>
+          </p:nvPr>
+        </p:nvSpPr>
+        <p:spPr>
+          <a:xfrm>
+            <a:off x="1090863" y="1684868"/>
+            <a:ext cx="4251604" cy="2495652"/>
+          </a:xfrm>
+        </p:spPr>
+        <p:txBody>
+          <a:bodyPr>
+            <a:normAutofit fontScale="92500"/>
+          </a:bodyPr>
+          <a:lstStyle/>
+          <a:p>
+            <a:r>
+              <a:rPr lang="en-US" dirty="0"/>
+              <a:t>Keep your message </a:t>
+            </a:r>
+            <a:r>
+              <a:rPr lang="en-US" b="1" dirty="0"/>
+              <a:t>short</a:t>
+            </a:r>
+            <a:r>
+              <a:rPr lang="en-US" dirty="0"/>
+              <a:t> and </a:t>
+            </a:r>
+            <a:r>
+              <a:rPr lang="en-US" b="1" dirty="0"/>
+              <a:t>concise</a:t>
+            </a:r>
+            <a:r>
+              <a:rPr lang="en-US" dirty="0"/>
+              <a:t>. No one wants to read a PowerPoint that rivals </a:t>
+            </a:r>
+            <a:r>
+              <a:rPr lang="en-US" i="1" dirty="0"/>
+              <a:t>War and Peace.</a:t>
+            </a:r>
+            <a:endParaRPr lang="en-US" dirty="0"/>
+          </a:p>
+          <a:p>
+            <a:r>
+              <a:rPr lang="en-US" dirty="0"/>
+              <a:t>Use color, size, and weight to add emphasis.</a:t>
+            </a:r>
+          </a:p>
+          <a:p>
+            <a:r>
+              <a:rPr lang="en-US" dirty="0"/>
+              <a:t>Add images that support your content.</a:t>
+            </a:r>
+          </a:p>
+        </p:txBody>
+      </p:sp>
+      <p:sp>
+        <p:nvSpPr>
+          <p:cNvPr id="6" name="Picture Placeholder 5">
             <a:extLst>
               <a:ext uri="{FF2B5EF4-FFF2-40B4-BE49-F238E27FC236}">
-                <a16:creationId xmlns:a16="http://schemas.microsoft.com/office/drawing/2014/main" id="{17F5086D-E62F-E149-8D99-E883699C8D44}"/>
+                <a16:creationId xmlns:a16="http://schemas.microsoft.com/office/drawing/2014/main" id="{C78E1B6B-CB89-E24C-9D95-F38C8BCC1F47}"/>
               </a:ext>
             </a:extLst>
           </p:cNvPr>
@@ -7642,292 +8145,70 @@
             <a:spLocks noGrp="1"/>
           </p:cNvSpPr>
           <p:nvPr>
-            <p:ph idx="1"/>
-          </p:nvPr>
-        </p:nvSpPr>
-        <p:spPr>
-          <a:xfrm>
-            <a:off x="1168400" y="2363981"/>
-            <a:ext cx="2104483" cy="2177659"/>
-          </a:xfrm>
-        </p:spPr>
-        <p:txBody>
-          <a:bodyPr/>
-          <a:lstStyle/>
-          <a:p>
-            <a:pPr lvl="0"/>
-            <a:r>
-              <a:rPr lang="en-US" dirty="0"/>
-              <a:t>Click to add text about this notable year in your school, department, or unit’s history. Add relevant historical context or content if it is appropriate.</a:t>
-            </a:r>
-          </a:p>
-        </p:txBody>
-      </p:sp>
-      <p:sp>
-        <p:nvSpPr>
-          <p:cNvPr id="3" name="Content Placeholder 2">
+            <p:ph type="pic" sz="quarter" idx="10"/>
+          </p:nvPr>
+        </p:nvSpPr>
+        <p:spPr>
+          <a:xfrm>
+            <a:off x="5689600" y="962981"/>
+            <a:ext cx="3164980" cy="3217539"/>
+          </a:xfrm>
+        </p:spPr>
+      </p:sp>
+      <p:sp>
+        <p:nvSpPr>
+          <p:cNvPr id="5" name="Title Placeholder 1">
             <a:extLst>
               <a:ext uri="{FF2B5EF4-FFF2-40B4-BE49-F238E27FC236}">
-                <a16:creationId xmlns:a16="http://schemas.microsoft.com/office/drawing/2014/main" id="{3CCCC380-12AB-0C4E-9F5B-135CD6EAF185}"/>
+                <a16:creationId xmlns:a16="http://schemas.microsoft.com/office/drawing/2014/main" id="{3672833B-104B-004A-B7B2-08702BC5C46C}"/>
               </a:ext>
             </a:extLst>
           </p:cNvPr>
-          <p:cNvSpPr>
-            <a:spLocks noGrp="1"/>
-          </p:cNvSpPr>
-          <p:nvPr>
-            <p:ph idx="11"/>
-          </p:nvPr>
-        </p:nvSpPr>
-        <p:spPr>
-          <a:xfrm>
-            <a:off x="3519758" y="2363982"/>
-            <a:ext cx="2104483" cy="2171644"/>
-          </a:xfrm>
-        </p:spPr>
-        <p:txBody>
-          <a:bodyPr/>
-          <a:lstStyle/>
-          <a:p>
-            <a:pPr lvl="0"/>
-            <a:r>
-              <a:rPr lang="en-US" dirty="0"/>
-              <a:t>Click to add text about this notable year in your school, department, or unit’s history. Add relevant historical context or content if it is appropriate.</a:t>
-            </a:r>
-          </a:p>
-        </p:txBody>
-      </p:sp>
-      <p:sp>
-        <p:nvSpPr>
-          <p:cNvPr id="4" name="Content Placeholder 3">
-            <a:extLst>
-              <a:ext uri="{FF2B5EF4-FFF2-40B4-BE49-F238E27FC236}">
-                <a16:creationId xmlns:a16="http://schemas.microsoft.com/office/drawing/2014/main" id="{38972262-3E02-D946-87D0-8BBF9911D166}"/>
-              </a:ext>
-            </a:extLst>
-          </p:cNvPr>
-          <p:cNvSpPr>
-            <a:spLocks noGrp="1"/>
-          </p:cNvSpPr>
-          <p:nvPr>
-            <p:ph idx="12"/>
-          </p:nvPr>
-        </p:nvSpPr>
-        <p:spPr>
-          <a:xfrm>
-            <a:off x="5871117" y="2363983"/>
-            <a:ext cx="2104483" cy="2171643"/>
-          </a:xfrm>
-        </p:spPr>
-        <p:txBody>
-          <a:bodyPr/>
-          <a:lstStyle/>
-          <a:p>
-            <a:pPr lvl="0"/>
-            <a:r>
-              <a:rPr lang="en-US" dirty="0"/>
-              <a:t>Click to add text about this notable year in your school, department, or unit’s history. Add relevant historical context or content if it is appropriate.</a:t>
-            </a:r>
-          </a:p>
-        </p:txBody>
-      </p:sp>
-      <p:sp>
-        <p:nvSpPr>
-          <p:cNvPr id="11" name="Title 1">
-            <a:extLst>
-              <a:ext uri="{FF2B5EF4-FFF2-40B4-BE49-F238E27FC236}">
-                <a16:creationId xmlns:a16="http://schemas.microsoft.com/office/drawing/2014/main" id="{5A4C5487-4EE0-244C-93C6-2B32D30FE06F}"/>
-              </a:ext>
-            </a:extLst>
-          </p:cNvPr>
-          <p:cNvSpPr>
-            <a:spLocks noGrp="1"/>
-          </p:cNvSpPr>
-          <p:nvPr>
-            <p:ph type="ctrTitle"/>
-          </p:nvPr>
-        </p:nvSpPr>
-        <p:spPr>
-          <a:xfrm>
-            <a:off x="1134532" y="946047"/>
-            <a:ext cx="7365818" cy="699065"/>
-          </a:xfrm>
-        </p:spPr>
-        <p:txBody>
-          <a:bodyPr/>
-          <a:lstStyle/>
-          <a:p>
-            <a:r>
-              <a:rPr lang="en-US" dirty="0"/>
-              <a:t>Click to edit timeline title style</a:t>
-            </a:r>
-          </a:p>
-        </p:txBody>
-      </p:sp>
-      <p:sp>
-        <p:nvSpPr>
-          <p:cNvPr id="14" name="TextBox 13">
-            <a:extLst>
-              <a:ext uri="{FF2B5EF4-FFF2-40B4-BE49-F238E27FC236}">
-                <a16:creationId xmlns:a16="http://schemas.microsoft.com/office/drawing/2014/main" id="{FBC2531A-9880-E34C-9056-DFE57FFA952E}"/>
-              </a:ext>
-            </a:extLst>
-          </p:cNvPr>
-          <p:cNvSpPr txBox="1"/>
+          <p:cNvSpPr txBox="1">
+            <a:spLocks/>
+          </p:cNvSpPr>
           <p:nvPr/>
         </p:nvSpPr>
         <p:spPr>
           <a:xfrm>
-            <a:off x="1151466" y="1689885"/>
-            <a:ext cx="2104483" cy="369332"/>
+            <a:off x="5564910" y="4755430"/>
+            <a:ext cx="3289669" cy="164913"/>
           </a:xfrm>
           <a:prstGeom prst="rect">
             <a:avLst/>
           </a:prstGeom>
-          <a:noFill/>
-        </p:spPr>
-        <p:txBody>
-          <a:bodyPr wrap="square" rtlCol="0">
-            <a:spAutoFit/>
+        </p:spPr>
+        <p:txBody>
+          <a:bodyPr vert="horz" lIns="91440" tIns="45720" rIns="91440" bIns="45720" rtlCol="0" anchor="ctr">
+            <a:noAutofit/>
           </a:bodyPr>
-          <a:lstStyle/>
-          <a:p>
-            <a:pPr marL="0" marR="0" lvl="0" indent="0" algn="l" defTabSz="457200" rtl="0" eaLnBrk="1" fontAlgn="auto" latinLnBrk="0" hangingPunct="1">
-              <a:lnSpc>
-                <a:spcPct val="100000"/>
-              </a:lnSpc>
+          <a:lstStyle>
+            <a:lvl1pPr algn="l" defTabSz="457200" rtl="0" eaLnBrk="1" latinLnBrk="0" hangingPunct="1">
               <a:spcBef>
-                <a:spcPts val="0"/>
+                <a:spcPct val="0"/>
               </a:spcBef>
-              <a:spcAft>
-                <a:spcPts val="0"/>
-              </a:spcAft>
-              <a:buClrTx/>
-              <a:buSzTx/>
-              <a:buFontTx/>
               <a:buNone/>
-              <a:tabLst/>
-              <a:defRPr/>
-            </a:pPr>
-            <a:r>
-              <a:rPr lang="en-US" b="1" dirty="0">
-                <a:solidFill>
-                  <a:srgbClr val="A6A6A6"/>
+              <a:defRPr sz="3000" b="1" i="0" kern="100" spc="0">
+                <a:solidFill>
+                  <a:srgbClr val="404041"/>
+                </a:solidFill>
+                <a:latin typeface="Arial"/>
+                <a:ea typeface="+mj-ea"/>
+                <a:cs typeface="Arial"/>
+              </a:defRPr>
+            </a:lvl1pPr>
+          </a:lstStyle>
+          <a:p>
+            <a:pPr algn="r"/>
+            <a:r>
+              <a:rPr lang="en-US" sz="800" b="0" dirty="0">
+                <a:solidFill>
+                  <a:schemeClr val="bg1">
+                    <a:lumMod val="75000"/>
+                  </a:schemeClr>
                 </a:solidFill>
               </a:rPr>
-              <a:t>Year</a:t>
-            </a:r>
-          </a:p>
-        </p:txBody>
-      </p:sp>
-      <p:sp>
-        <p:nvSpPr>
-          <p:cNvPr id="15" name="TextBox 14">
-            <a:extLst>
-              <a:ext uri="{FF2B5EF4-FFF2-40B4-BE49-F238E27FC236}">
-                <a16:creationId xmlns:a16="http://schemas.microsoft.com/office/drawing/2014/main" id="{0A6BA4AC-F283-184A-A620-F2B735137F29}"/>
-              </a:ext>
-            </a:extLst>
-          </p:cNvPr>
-          <p:cNvSpPr txBox="1"/>
-          <p:nvPr/>
-        </p:nvSpPr>
-        <p:spPr>
-          <a:xfrm>
-            <a:off x="3502825" y="1689885"/>
-            <a:ext cx="2104483" cy="369332"/>
-          </a:xfrm>
-          <a:prstGeom prst="rect">
-            <a:avLst/>
-          </a:prstGeom>
-          <a:noFill/>
-        </p:spPr>
-        <p:txBody>
-          <a:bodyPr wrap="square" rtlCol="0">
-            <a:spAutoFit/>
-          </a:bodyPr>
-          <a:lstStyle/>
-          <a:p>
-            <a:pPr marL="0" marR="0" lvl="0" indent="0" algn="l" defTabSz="457200" rtl="0" eaLnBrk="1" fontAlgn="auto" latinLnBrk="0" hangingPunct="1">
-              <a:lnSpc>
-                <a:spcPct val="100000"/>
-              </a:lnSpc>
-              <a:spcBef>
-                <a:spcPts val="0"/>
-              </a:spcBef>
-              <a:spcAft>
-                <a:spcPts val="0"/>
-              </a:spcAft>
-              <a:buClrTx/>
-              <a:buSzTx/>
-              <a:buFontTx/>
-              <a:buNone/>
-              <a:tabLst/>
-              <a:defRPr/>
-            </a:pPr>
-            <a:r>
-              <a:rPr lang="en-US" b="1" dirty="0">
-                <a:solidFill>
-                  <a:srgbClr val="A6A6A6"/>
-                </a:solidFill>
-              </a:rPr>
-              <a:t>Year</a:t>
-            </a:r>
-          </a:p>
-        </p:txBody>
-      </p:sp>
-      <p:sp>
-        <p:nvSpPr>
-          <p:cNvPr id="16" name="TextBox 15">
-            <a:extLst>
-              <a:ext uri="{FF2B5EF4-FFF2-40B4-BE49-F238E27FC236}">
-                <a16:creationId xmlns:a16="http://schemas.microsoft.com/office/drawing/2014/main" id="{82DE6BFB-D0BC-E64E-971B-1485BA90AABC}"/>
-              </a:ext>
-            </a:extLst>
-          </p:cNvPr>
-          <p:cNvSpPr txBox="1"/>
-          <p:nvPr/>
-        </p:nvSpPr>
-        <p:spPr>
-          <a:xfrm>
-            <a:off x="5854184" y="1689885"/>
-            <a:ext cx="2104483" cy="369332"/>
-          </a:xfrm>
-          <a:prstGeom prst="rect">
-            <a:avLst/>
-          </a:prstGeom>
-          <a:noFill/>
-        </p:spPr>
-        <p:txBody>
-          <a:bodyPr wrap="square" rtlCol="0">
-            <a:spAutoFit/>
-          </a:bodyPr>
-          <a:lstStyle/>
-          <a:p>
-            <a:pPr marL="0" marR="0" lvl="0" indent="0" algn="l" defTabSz="457200" rtl="0" eaLnBrk="1" fontAlgn="auto" latinLnBrk="0" hangingPunct="1">
-              <a:lnSpc>
-                <a:spcPct val="100000"/>
-              </a:lnSpc>
-              <a:spcBef>
-                <a:spcPts val="0"/>
-              </a:spcBef>
-              <a:spcAft>
-                <a:spcPts val="0"/>
-              </a:spcAft>
-              <a:buClrTx/>
-              <a:buSzTx/>
-              <a:buFontTx/>
-              <a:buNone/>
-              <a:tabLst/>
-              <a:defRPr/>
-            </a:pPr>
-            <a:r>
-              <a:rPr lang="en-US" b="1" dirty="0">
-                <a:solidFill>
-                  <a:srgbClr val="A6A6A6"/>
-                </a:solidFill>
-              </a:rPr>
-              <a:t>Year</a:t>
+              <a:t>Photo credit here</a:t>
             </a:r>
           </a:p>
         </p:txBody>
@@ -7935,7 +8216,7 @@
     </p:spTree>
     <p:extLst>
       <p:ext uri="{BB962C8B-B14F-4D97-AF65-F5344CB8AC3E}">
-        <p14:creationId xmlns:p14="http://schemas.microsoft.com/office/powerpoint/2010/main" val="1555710613"/>
+        <p14:creationId xmlns:p14="http://schemas.microsoft.com/office/powerpoint/2010/main" val="1082539397"/>
       </p:ext>
     </p:extLst>
   </p:cSld>
@@ -7964,6 +8245,406 @@
       </p:grpSpPr>
       <p:sp>
         <p:nvSpPr>
+          <p:cNvPr id="5" name="Content Placeholder 4">
+            <a:extLst>
+              <a:ext uri="{FF2B5EF4-FFF2-40B4-BE49-F238E27FC236}">
+                <a16:creationId xmlns:a16="http://schemas.microsoft.com/office/drawing/2014/main" id="{4F5CFC3E-0968-5D45-A0EE-0E9A85979DA7}"/>
+              </a:ext>
+            </a:extLst>
+          </p:cNvPr>
+          <p:cNvSpPr>
+            <a:spLocks noGrp="1"/>
+          </p:cNvSpPr>
+          <p:nvPr>
+            <p:ph idx="1"/>
+          </p:nvPr>
+        </p:nvSpPr>
+        <p:spPr/>
+        <p:txBody>
+          <a:bodyPr/>
+          <a:lstStyle/>
+          <a:p>
+            <a:pPr lvl="0"/>
+            <a:r>
+              <a:rPr lang="en-US" dirty="0"/>
+              <a:t>Insert a relevant quote here. During the Bicentennial year remember that notable alumni can provide a unique perspective on the accomplishments and successes of your school, department, or unit.</a:t>
+            </a:r>
+            <a:r>
+              <a:rPr lang="en-US" i="0" dirty="0">
+                <a:solidFill>
+                  <a:schemeClr val="bg1"/>
+                </a:solidFill>
+              </a:rPr>
+              <a:t>”</a:t>
+            </a:r>
+          </a:p>
+        </p:txBody>
+      </p:sp>
+    </p:spTree>
+    <p:extLst>
+      <p:ext uri="{BB962C8B-B14F-4D97-AF65-F5344CB8AC3E}">
+        <p14:creationId xmlns:p14="http://schemas.microsoft.com/office/powerpoint/2010/main" val="4077717197"/>
+      </p:ext>
+    </p:extLst>
+  </p:cSld>
+  <p:clrMapOvr>
+    <a:masterClrMapping/>
+  </p:clrMapOvr>
+</p:sld>
+</file>
+
+<file path=ppt/slides/slide17.xml><?xml version="1.0" encoding="utf-8"?>
+<p:sld xmlns:a="http://schemas.openxmlformats.org/drawingml/2006/main" xmlns:r="http://schemas.openxmlformats.org/officeDocument/2006/relationships" xmlns:p="http://schemas.openxmlformats.org/presentationml/2006/main">
+  <p:cSld>
+    <p:spTree>
+      <p:nvGrpSpPr>
+        <p:cNvPr id="1" name=""/>
+        <p:cNvGrpSpPr/>
+        <p:nvPr/>
+      </p:nvGrpSpPr>
+      <p:grpSpPr>
+        <a:xfrm>
+          <a:off x="0" y="0"/>
+          <a:ext cx="0" cy="0"/>
+          <a:chOff x="0" y="0"/>
+          <a:chExt cx="0" cy="0"/>
+        </a:xfrm>
+      </p:grpSpPr>
+      <p:sp>
+        <p:nvSpPr>
+          <p:cNvPr id="2" name="Content Placeholder 1">
+            <a:extLst>
+              <a:ext uri="{FF2B5EF4-FFF2-40B4-BE49-F238E27FC236}">
+                <a16:creationId xmlns:a16="http://schemas.microsoft.com/office/drawing/2014/main" id="{17F5086D-E62F-E149-8D99-E883699C8D44}"/>
+              </a:ext>
+            </a:extLst>
+          </p:cNvPr>
+          <p:cNvSpPr>
+            <a:spLocks noGrp="1"/>
+          </p:cNvSpPr>
+          <p:nvPr>
+            <p:ph idx="1"/>
+          </p:nvPr>
+        </p:nvSpPr>
+        <p:spPr>
+          <a:xfrm>
+            <a:off x="1168400" y="2363981"/>
+            <a:ext cx="2104483" cy="2177659"/>
+          </a:xfrm>
+        </p:spPr>
+        <p:txBody>
+          <a:bodyPr/>
+          <a:lstStyle/>
+          <a:p>
+            <a:pPr lvl="0"/>
+            <a:r>
+              <a:rPr lang="en-US" dirty="0"/>
+              <a:t>Click to add text about this notable year in your school, department, or unit’s history. Add relevant historical context or content if it is appropriate.</a:t>
+            </a:r>
+          </a:p>
+        </p:txBody>
+      </p:sp>
+      <p:sp>
+        <p:nvSpPr>
+          <p:cNvPr id="3" name="Content Placeholder 2">
+            <a:extLst>
+              <a:ext uri="{FF2B5EF4-FFF2-40B4-BE49-F238E27FC236}">
+                <a16:creationId xmlns:a16="http://schemas.microsoft.com/office/drawing/2014/main" id="{3CCCC380-12AB-0C4E-9F5B-135CD6EAF185}"/>
+              </a:ext>
+            </a:extLst>
+          </p:cNvPr>
+          <p:cNvSpPr>
+            <a:spLocks noGrp="1"/>
+          </p:cNvSpPr>
+          <p:nvPr>
+            <p:ph idx="11"/>
+          </p:nvPr>
+        </p:nvSpPr>
+        <p:spPr>
+          <a:xfrm>
+            <a:off x="3519758" y="2363982"/>
+            <a:ext cx="2104483" cy="2171644"/>
+          </a:xfrm>
+        </p:spPr>
+        <p:txBody>
+          <a:bodyPr/>
+          <a:lstStyle/>
+          <a:p>
+            <a:pPr lvl="0"/>
+            <a:r>
+              <a:rPr lang="en-US" dirty="0"/>
+              <a:t>Click to add text about this notable year in your school, department, or unit’s history. Add relevant historical context or content if it is appropriate.</a:t>
+            </a:r>
+          </a:p>
+        </p:txBody>
+      </p:sp>
+      <p:sp>
+        <p:nvSpPr>
+          <p:cNvPr id="4" name="Content Placeholder 3">
+            <a:extLst>
+              <a:ext uri="{FF2B5EF4-FFF2-40B4-BE49-F238E27FC236}">
+                <a16:creationId xmlns:a16="http://schemas.microsoft.com/office/drawing/2014/main" id="{38972262-3E02-D946-87D0-8BBF9911D166}"/>
+              </a:ext>
+            </a:extLst>
+          </p:cNvPr>
+          <p:cNvSpPr>
+            <a:spLocks noGrp="1"/>
+          </p:cNvSpPr>
+          <p:nvPr>
+            <p:ph idx="12"/>
+          </p:nvPr>
+        </p:nvSpPr>
+        <p:spPr>
+          <a:xfrm>
+            <a:off x="5871117" y="2363983"/>
+            <a:ext cx="2104483" cy="2171643"/>
+          </a:xfrm>
+        </p:spPr>
+        <p:txBody>
+          <a:bodyPr/>
+          <a:lstStyle/>
+          <a:p>
+            <a:pPr lvl="0"/>
+            <a:r>
+              <a:rPr lang="en-US" dirty="0"/>
+              <a:t>Click to add text about this notable year in your school, department, or unit’s history. Add relevant historical context or content if it is appropriate.</a:t>
+            </a:r>
+          </a:p>
+        </p:txBody>
+      </p:sp>
+      <p:sp>
+        <p:nvSpPr>
+          <p:cNvPr id="11" name="Title 1">
+            <a:extLst>
+              <a:ext uri="{FF2B5EF4-FFF2-40B4-BE49-F238E27FC236}">
+                <a16:creationId xmlns:a16="http://schemas.microsoft.com/office/drawing/2014/main" id="{5A4C5487-4EE0-244C-93C6-2B32D30FE06F}"/>
+              </a:ext>
+            </a:extLst>
+          </p:cNvPr>
+          <p:cNvSpPr>
+            <a:spLocks noGrp="1"/>
+          </p:cNvSpPr>
+          <p:nvPr>
+            <p:ph type="ctrTitle"/>
+          </p:nvPr>
+        </p:nvSpPr>
+        <p:spPr>
+          <a:xfrm>
+            <a:off x="1134532" y="946047"/>
+            <a:ext cx="7365818" cy="699065"/>
+          </a:xfrm>
+        </p:spPr>
+        <p:txBody>
+          <a:bodyPr/>
+          <a:lstStyle/>
+          <a:p>
+            <a:r>
+              <a:rPr lang="en-US" dirty="0"/>
+              <a:t>Click to edit timeline title style</a:t>
+            </a:r>
+          </a:p>
+        </p:txBody>
+      </p:sp>
+      <p:sp>
+        <p:nvSpPr>
+          <p:cNvPr id="14" name="TextBox 13">
+            <a:extLst>
+              <a:ext uri="{FF2B5EF4-FFF2-40B4-BE49-F238E27FC236}">
+                <a16:creationId xmlns:a16="http://schemas.microsoft.com/office/drawing/2014/main" id="{FBC2531A-9880-E34C-9056-DFE57FFA952E}"/>
+              </a:ext>
+            </a:extLst>
+          </p:cNvPr>
+          <p:cNvSpPr txBox="1"/>
+          <p:nvPr/>
+        </p:nvSpPr>
+        <p:spPr>
+          <a:xfrm>
+            <a:off x="1151466" y="1689885"/>
+            <a:ext cx="2104483" cy="369332"/>
+          </a:xfrm>
+          <a:prstGeom prst="rect">
+            <a:avLst/>
+          </a:prstGeom>
+          <a:noFill/>
+        </p:spPr>
+        <p:txBody>
+          <a:bodyPr wrap="square" rtlCol="0">
+            <a:spAutoFit/>
+          </a:bodyPr>
+          <a:lstStyle/>
+          <a:p>
+            <a:pPr marL="0" marR="0" lvl="0" indent="0" algn="l" defTabSz="457200" rtl="0" eaLnBrk="1" fontAlgn="auto" latinLnBrk="0" hangingPunct="1">
+              <a:lnSpc>
+                <a:spcPct val="100000"/>
+              </a:lnSpc>
+              <a:spcBef>
+                <a:spcPts val="0"/>
+              </a:spcBef>
+              <a:spcAft>
+                <a:spcPts val="0"/>
+              </a:spcAft>
+              <a:buClrTx/>
+              <a:buSzTx/>
+              <a:buFontTx/>
+              <a:buNone/>
+              <a:tabLst/>
+              <a:defRPr/>
+            </a:pPr>
+            <a:r>
+              <a:rPr lang="en-US" b="1" dirty="0">
+                <a:solidFill>
+                  <a:srgbClr val="A6A6A6"/>
+                </a:solidFill>
+              </a:rPr>
+              <a:t>Year</a:t>
+            </a:r>
+          </a:p>
+        </p:txBody>
+      </p:sp>
+      <p:sp>
+        <p:nvSpPr>
+          <p:cNvPr id="15" name="TextBox 14">
+            <a:extLst>
+              <a:ext uri="{FF2B5EF4-FFF2-40B4-BE49-F238E27FC236}">
+                <a16:creationId xmlns:a16="http://schemas.microsoft.com/office/drawing/2014/main" id="{0A6BA4AC-F283-184A-A620-F2B735137F29}"/>
+              </a:ext>
+            </a:extLst>
+          </p:cNvPr>
+          <p:cNvSpPr txBox="1"/>
+          <p:nvPr/>
+        </p:nvSpPr>
+        <p:spPr>
+          <a:xfrm>
+            <a:off x="3502825" y="1689885"/>
+            <a:ext cx="2104483" cy="369332"/>
+          </a:xfrm>
+          <a:prstGeom prst="rect">
+            <a:avLst/>
+          </a:prstGeom>
+          <a:noFill/>
+        </p:spPr>
+        <p:txBody>
+          <a:bodyPr wrap="square" rtlCol="0">
+            <a:spAutoFit/>
+          </a:bodyPr>
+          <a:lstStyle/>
+          <a:p>
+            <a:pPr marL="0" marR="0" lvl="0" indent="0" algn="l" defTabSz="457200" rtl="0" eaLnBrk="1" fontAlgn="auto" latinLnBrk="0" hangingPunct="1">
+              <a:lnSpc>
+                <a:spcPct val="100000"/>
+              </a:lnSpc>
+              <a:spcBef>
+                <a:spcPts val="0"/>
+              </a:spcBef>
+              <a:spcAft>
+                <a:spcPts val="0"/>
+              </a:spcAft>
+              <a:buClrTx/>
+              <a:buSzTx/>
+              <a:buFontTx/>
+              <a:buNone/>
+              <a:tabLst/>
+              <a:defRPr/>
+            </a:pPr>
+            <a:r>
+              <a:rPr lang="en-US" b="1" dirty="0">
+                <a:solidFill>
+                  <a:srgbClr val="A6A6A6"/>
+                </a:solidFill>
+              </a:rPr>
+              <a:t>Year</a:t>
+            </a:r>
+          </a:p>
+        </p:txBody>
+      </p:sp>
+      <p:sp>
+        <p:nvSpPr>
+          <p:cNvPr id="16" name="TextBox 15">
+            <a:extLst>
+              <a:ext uri="{FF2B5EF4-FFF2-40B4-BE49-F238E27FC236}">
+                <a16:creationId xmlns:a16="http://schemas.microsoft.com/office/drawing/2014/main" id="{82DE6BFB-D0BC-E64E-971B-1485BA90AABC}"/>
+              </a:ext>
+            </a:extLst>
+          </p:cNvPr>
+          <p:cNvSpPr txBox="1"/>
+          <p:nvPr/>
+        </p:nvSpPr>
+        <p:spPr>
+          <a:xfrm>
+            <a:off x="5854184" y="1689885"/>
+            <a:ext cx="2104483" cy="369332"/>
+          </a:xfrm>
+          <a:prstGeom prst="rect">
+            <a:avLst/>
+          </a:prstGeom>
+          <a:noFill/>
+        </p:spPr>
+        <p:txBody>
+          <a:bodyPr wrap="square" rtlCol="0">
+            <a:spAutoFit/>
+          </a:bodyPr>
+          <a:lstStyle/>
+          <a:p>
+            <a:pPr marL="0" marR="0" lvl="0" indent="0" algn="l" defTabSz="457200" rtl="0" eaLnBrk="1" fontAlgn="auto" latinLnBrk="0" hangingPunct="1">
+              <a:lnSpc>
+                <a:spcPct val="100000"/>
+              </a:lnSpc>
+              <a:spcBef>
+                <a:spcPts val="0"/>
+              </a:spcBef>
+              <a:spcAft>
+                <a:spcPts val="0"/>
+              </a:spcAft>
+              <a:buClrTx/>
+              <a:buSzTx/>
+              <a:buFontTx/>
+              <a:buNone/>
+              <a:tabLst/>
+              <a:defRPr/>
+            </a:pPr>
+            <a:r>
+              <a:rPr lang="en-US" b="1" dirty="0">
+                <a:solidFill>
+                  <a:srgbClr val="A6A6A6"/>
+                </a:solidFill>
+              </a:rPr>
+              <a:t>Year</a:t>
+            </a:r>
+          </a:p>
+        </p:txBody>
+      </p:sp>
+    </p:spTree>
+    <p:extLst>
+      <p:ext uri="{BB962C8B-B14F-4D97-AF65-F5344CB8AC3E}">
+        <p14:creationId xmlns:p14="http://schemas.microsoft.com/office/powerpoint/2010/main" val="1555710613"/>
+      </p:ext>
+    </p:extLst>
+  </p:cSld>
+  <p:clrMapOvr>
+    <a:masterClrMapping/>
+  </p:clrMapOvr>
+</p:sld>
+</file>
+
+<file path=ppt/slides/slide18.xml><?xml version="1.0" encoding="utf-8"?>
+<p:sld xmlns:a="http://schemas.openxmlformats.org/drawingml/2006/main" xmlns:r="http://schemas.openxmlformats.org/officeDocument/2006/relationships" xmlns:p="http://schemas.openxmlformats.org/presentationml/2006/main">
+  <p:cSld>
+    <p:spTree>
+      <p:nvGrpSpPr>
+        <p:cNvPr id="1" name=""/>
+        <p:cNvGrpSpPr/>
+        <p:nvPr/>
+      </p:nvGrpSpPr>
+      <p:grpSpPr>
+        <a:xfrm>
+          <a:off x="0" y="0"/>
+          <a:ext cx="0" cy="0"/>
+          <a:chOff x="0" y="0"/>
+          <a:chExt cx="0" cy="0"/>
+        </a:xfrm>
+      </p:grpSpPr>
+      <p:sp>
+        <p:nvSpPr>
           <p:cNvPr id="5" name="Picture Placeholder 4">
             <a:extLst>
               <a:ext uri="{FF2B5EF4-FFF2-40B4-BE49-F238E27FC236}">
@@ -8105,7 +8786,7 @@
 </p:sld>
 </file>
 
-<file path=ppt/slides/slide17.xml><?xml version="1.0" encoding="utf-8"?>
+<file path=ppt/slides/slide19.xml><?xml version="1.0" encoding="utf-8"?>
 <p:sld xmlns:a="http://schemas.openxmlformats.org/drawingml/2006/main" xmlns:r="http://schemas.openxmlformats.org/officeDocument/2006/relationships" xmlns:p="http://schemas.openxmlformats.org/presentationml/2006/main">
   <p:cSld>
     <p:spTree>
@@ -8381,76 +9062,70 @@
           <a:chExt cx="0" cy="0"/>
         </a:xfrm>
       </p:grpSpPr>
-      <p:sp>
-        <p:nvSpPr>
-          <p:cNvPr id="2" name="Title 1"/>
-          <p:cNvSpPr>
-            <a:spLocks noGrp="1"/>
-          </p:cNvSpPr>
-          <p:nvPr>
-            <p:ph type="ctrTitle"/>
-          </p:nvPr>
-        </p:nvSpPr>
-        <p:spPr>
-          <a:xfrm>
-            <a:off x="1168400" y="1108694"/>
-            <a:ext cx="7365818" cy="699065"/>
-          </a:xfrm>
-        </p:spPr>
-        <p:txBody>
-          <a:bodyPr/>
-          <a:lstStyle/>
-          <a:p>
-            <a:r>
-              <a:rPr lang="en-US" dirty="0"/>
-              <a:t>Click to add engaging text</a:t>
-            </a:r>
-          </a:p>
-        </p:txBody>
-      </p:sp>
-      <p:sp>
-        <p:nvSpPr>
-          <p:cNvPr id="4" name="Content Placeholder 3"/>
-          <p:cNvSpPr>
-            <a:spLocks noGrp="1"/>
-          </p:cNvSpPr>
-          <p:nvPr>
-            <p:ph idx="1"/>
-          </p:nvPr>
-        </p:nvSpPr>
-        <p:spPr>
-          <a:xfrm>
-            <a:off x="1168400" y="1979028"/>
-            <a:ext cx="7366018" cy="2810633"/>
-          </a:xfrm>
-        </p:spPr>
-        <p:txBody>
-          <a:bodyPr/>
-          <a:lstStyle/>
-          <a:p>
-            <a:r>
-              <a:rPr lang="en-US" dirty="0"/>
-              <a:t>Make your concise point here. </a:t>
-            </a:r>
-          </a:p>
-          <a:p>
-            <a:r>
-              <a:rPr lang="en-US" dirty="0"/>
-              <a:t>Slides with multiple paragraphs of text have shown to significantly decrease the attention of the audience.</a:t>
-            </a:r>
-          </a:p>
-          <a:p>
-            <a:r>
-              <a:rPr lang="en-US" dirty="0"/>
-              <a:t>Let your slides breathe—it lets the audience listen to you.</a:t>
-            </a:r>
-          </a:p>
-        </p:txBody>
-      </p:sp>
+      <p:pic>
+        <p:nvPicPr>
+          <p:cNvPr id="3" name="Picture 2">
+            <a:extLst>
+              <a:ext uri="{FF2B5EF4-FFF2-40B4-BE49-F238E27FC236}">
+                <a16:creationId xmlns:a16="http://schemas.microsoft.com/office/drawing/2014/main" id="{DC89EB90-4889-4F74-8459-0D62E207DDD8}"/>
+              </a:ext>
+            </a:extLst>
+          </p:cNvPr>
+          <p:cNvPicPr>
+            <a:picLocks noChangeAspect="1"/>
+          </p:cNvPicPr>
+          <p:nvPr/>
+        </p:nvPicPr>
+        <p:blipFill>
+          <a:blip r:embed="rId3"/>
+          <a:stretch>
+            <a:fillRect/>
+          </a:stretch>
+        </p:blipFill>
+        <p:spPr>
+          <a:xfrm>
+            <a:off x="129757" y="732865"/>
+            <a:ext cx="4374259" cy="2699543"/>
+          </a:xfrm>
+          <a:prstGeom prst="rect">
+            <a:avLst/>
+          </a:prstGeom>
+        </p:spPr>
+      </p:pic>
+      <p:pic>
+        <p:nvPicPr>
+          <p:cNvPr id="4" name="Picture 3">
+            <a:extLst>
+              <a:ext uri="{FF2B5EF4-FFF2-40B4-BE49-F238E27FC236}">
+                <a16:creationId xmlns:a16="http://schemas.microsoft.com/office/drawing/2014/main" id="{35ED8A49-9ED4-4BE8-86F3-CFD1CA8ABF64}"/>
+              </a:ext>
+            </a:extLst>
+          </p:cNvPr>
+          <p:cNvPicPr>
+            <a:picLocks noChangeAspect="1"/>
+          </p:cNvPicPr>
+          <p:nvPr/>
+        </p:nvPicPr>
+        <p:blipFill>
+          <a:blip r:embed="rId4"/>
+          <a:stretch>
+            <a:fillRect/>
+          </a:stretch>
+        </p:blipFill>
+        <p:spPr>
+          <a:xfrm>
+            <a:off x="4577980" y="732865"/>
+            <a:ext cx="4374259" cy="2699543"/>
+          </a:xfrm>
+          <a:prstGeom prst="rect">
+            <a:avLst/>
+          </a:prstGeom>
+        </p:spPr>
+      </p:pic>
     </p:spTree>
     <p:extLst>
       <p:ext uri="{BB962C8B-B14F-4D97-AF65-F5344CB8AC3E}">
-        <p14:creationId xmlns:p14="http://schemas.microsoft.com/office/powerpoint/2010/main" val="2144012005"/>
+        <p14:creationId xmlns:p14="http://schemas.microsoft.com/office/powerpoint/2010/main" val="511796970"/>
       </p:ext>
     </p:extLst>
   </p:cSld>
@@ -8477,210 +9152,70 @@
           <a:chExt cx="0" cy="0"/>
         </a:xfrm>
       </p:grpSpPr>
-      <p:sp>
-        <p:nvSpPr>
-          <p:cNvPr id="3" name="Picture Placeholder 2">
+      <p:pic>
+        <p:nvPicPr>
+          <p:cNvPr id="2" name="Picture 1">
             <a:extLst>
               <a:ext uri="{FF2B5EF4-FFF2-40B4-BE49-F238E27FC236}">
-                <a16:creationId xmlns:a16="http://schemas.microsoft.com/office/drawing/2014/main" id="{AC216FC4-BDF6-AE41-A2F8-B6C617EC0F06}"/>
+                <a16:creationId xmlns:a16="http://schemas.microsoft.com/office/drawing/2014/main" id="{ECED134C-5869-4763-9BA4-6A2874828FFB}"/>
               </a:ext>
             </a:extLst>
           </p:cNvPr>
-          <p:cNvSpPr>
-            <a:spLocks noGrp="1"/>
-          </p:cNvSpPr>
-          <p:nvPr>
-            <p:ph type="pic" sz="quarter" idx="10"/>
-          </p:nvPr>
-        </p:nvSpPr>
-        <p:spPr>
-          <a:xfrm>
-            <a:off x="5757332" y="962981"/>
-            <a:ext cx="3097247" cy="3217539"/>
-          </a:xfrm>
-        </p:spPr>
-      </p:sp>
-      <p:sp>
-        <p:nvSpPr>
-          <p:cNvPr id="10" name="Title 1">
+          <p:cNvPicPr>
+            <a:picLocks noChangeAspect="1"/>
+          </p:cNvPicPr>
+          <p:nvPr/>
+        </p:nvPicPr>
+        <p:blipFill>
+          <a:blip r:embed="rId3"/>
+          <a:stretch>
+            <a:fillRect/>
+          </a:stretch>
+        </p:blipFill>
+        <p:spPr>
+          <a:xfrm>
+            <a:off x="4474131" y="771051"/>
+            <a:ext cx="4374259" cy="2699543"/>
+          </a:xfrm>
+          <a:prstGeom prst="rect">
+            <a:avLst/>
+          </a:prstGeom>
+        </p:spPr>
+      </p:pic>
+      <p:pic>
+        <p:nvPicPr>
+          <p:cNvPr id="5" name="Picture 4">
             <a:extLst>
               <a:ext uri="{FF2B5EF4-FFF2-40B4-BE49-F238E27FC236}">
-                <a16:creationId xmlns:a16="http://schemas.microsoft.com/office/drawing/2014/main" id="{AE8F6B4B-DCF9-424D-98F1-08169A9C508C}"/>
+                <a16:creationId xmlns:a16="http://schemas.microsoft.com/office/drawing/2014/main" id="{D3A834F8-E6DE-4D84-8238-8144D35A3EDE}"/>
               </a:ext>
             </a:extLst>
           </p:cNvPr>
-          <p:cNvSpPr txBox="1">
-            <a:spLocks/>
-          </p:cNvSpPr>
+          <p:cNvPicPr>
+            <a:picLocks noChangeAspect="1"/>
+          </p:cNvPicPr>
           <p:nvPr/>
-        </p:nvSpPr>
-        <p:spPr>
-          <a:xfrm>
-            <a:off x="1090862" y="962981"/>
-            <a:ext cx="4166937" cy="484819"/>
+        </p:nvPicPr>
+        <p:blipFill>
+          <a:blip r:embed="rId4"/>
+          <a:stretch>
+            <a:fillRect/>
+          </a:stretch>
+        </p:blipFill>
+        <p:spPr>
+          <a:xfrm>
+            <a:off x="99872" y="771052"/>
+            <a:ext cx="4374259" cy="2699543"/>
           </a:xfrm>
           <a:prstGeom prst="rect">
             <a:avLst/>
           </a:prstGeom>
         </p:spPr>
-        <p:txBody>
-          <a:bodyPr vert="horz" lIns="91440" tIns="45720" rIns="91440" bIns="45720" rtlCol="0" anchor="ctr">
-            <a:noAutofit/>
-          </a:bodyPr>
-          <a:lstStyle>
-            <a:lvl1pPr algn="l" defTabSz="457200" rtl="0" eaLnBrk="1" latinLnBrk="0" hangingPunct="1">
-              <a:spcBef>
-                <a:spcPct val="0"/>
-              </a:spcBef>
-              <a:buNone/>
-              <a:defRPr sz="3000" b="1" i="0" kern="100" spc="0">
-                <a:solidFill>
-                  <a:srgbClr val="404041"/>
-                </a:solidFill>
-                <a:latin typeface="Arial"/>
-                <a:ea typeface="+mj-ea"/>
-                <a:cs typeface="Arial"/>
-              </a:defRPr>
-            </a:lvl1pPr>
-          </a:lstStyle>
-          <a:p>
-            <a:r>
-              <a:rPr lang="en-US" dirty="0"/>
-              <a:t>Click to add headline</a:t>
-            </a:r>
-          </a:p>
-        </p:txBody>
-      </p:sp>
-      <p:sp>
-        <p:nvSpPr>
-          <p:cNvPr id="11" name="Content Placeholder 2">
-            <a:extLst>
-              <a:ext uri="{FF2B5EF4-FFF2-40B4-BE49-F238E27FC236}">
-                <a16:creationId xmlns:a16="http://schemas.microsoft.com/office/drawing/2014/main" id="{F90466BA-A8B9-BE45-B36D-76682E2BFEFC}"/>
-              </a:ext>
-            </a:extLst>
-          </p:cNvPr>
-          <p:cNvSpPr>
-            <a:spLocks noGrp="1"/>
-          </p:cNvSpPr>
-          <p:nvPr>
-            <p:ph idx="1"/>
-          </p:nvPr>
-        </p:nvSpPr>
-        <p:spPr>
-          <a:xfrm>
-            <a:off x="1090863" y="1684868"/>
-            <a:ext cx="4251604" cy="2495652"/>
-          </a:xfrm>
-        </p:spPr>
-        <p:txBody>
-          <a:bodyPr>
-            <a:normAutofit fontScale="92500"/>
-          </a:bodyPr>
-          <a:lstStyle/>
-          <a:p>
-            <a:r>
-              <a:rPr lang="en-US" dirty="0"/>
-              <a:t>Keep your message </a:t>
-            </a:r>
-            <a:r>
-              <a:rPr lang="en-US" b="1" dirty="0"/>
-              <a:t>short</a:t>
-            </a:r>
-            <a:r>
-              <a:rPr lang="en-US" dirty="0"/>
-              <a:t> and </a:t>
-            </a:r>
-            <a:r>
-              <a:rPr lang="en-US" b="1" dirty="0"/>
-              <a:t>concise</a:t>
-            </a:r>
-            <a:r>
-              <a:rPr lang="en-US" dirty="0"/>
-              <a:t>. No one wants to read a PowerPoint that rivals </a:t>
-            </a:r>
-            <a:r>
-              <a:rPr lang="en-US" i="1" dirty="0"/>
-              <a:t>War and Peace.</a:t>
-            </a:r>
-            <a:endParaRPr lang="en-US" dirty="0"/>
-          </a:p>
-          <a:p>
-            <a:r>
-              <a:rPr lang="en-US" dirty="0"/>
-              <a:t>Use color, size, and weight to add emphasis.</a:t>
-            </a:r>
-          </a:p>
-          <a:p>
-            <a:r>
-              <a:rPr lang="en-US" dirty="0"/>
-              <a:t>Add images that support your content.</a:t>
-            </a:r>
-          </a:p>
-        </p:txBody>
-      </p:sp>
-      <p:sp>
-        <p:nvSpPr>
-          <p:cNvPr id="5" name="Title Placeholder 1">
-            <a:extLst>
-              <a:ext uri="{FF2B5EF4-FFF2-40B4-BE49-F238E27FC236}">
-                <a16:creationId xmlns:a16="http://schemas.microsoft.com/office/drawing/2014/main" id="{58E12EB7-87AA-2B4B-9CF6-D411FB141B4F}"/>
-              </a:ext>
-            </a:extLst>
-          </p:cNvPr>
-          <p:cNvSpPr txBox="1">
-            <a:spLocks/>
-          </p:cNvSpPr>
-          <p:nvPr/>
-        </p:nvSpPr>
-        <p:spPr>
-          <a:xfrm>
-            <a:off x="5564910" y="4755430"/>
-            <a:ext cx="3289669" cy="164913"/>
-          </a:xfrm>
-          <a:prstGeom prst="rect">
-            <a:avLst/>
-          </a:prstGeom>
-        </p:spPr>
-        <p:txBody>
-          <a:bodyPr vert="horz" lIns="91440" tIns="45720" rIns="91440" bIns="45720" rtlCol="0" anchor="ctr">
-            <a:noAutofit/>
-          </a:bodyPr>
-          <a:lstStyle>
-            <a:lvl1pPr algn="l" defTabSz="457200" rtl="0" eaLnBrk="1" latinLnBrk="0" hangingPunct="1">
-              <a:spcBef>
-                <a:spcPct val="0"/>
-              </a:spcBef>
-              <a:buNone/>
-              <a:defRPr sz="3000" b="1" i="0" kern="100" spc="0">
-                <a:solidFill>
-                  <a:srgbClr val="404041"/>
-                </a:solidFill>
-                <a:latin typeface="Arial"/>
-                <a:ea typeface="+mj-ea"/>
-                <a:cs typeface="Arial"/>
-              </a:defRPr>
-            </a:lvl1pPr>
-          </a:lstStyle>
-          <a:p>
-            <a:pPr algn="r"/>
-            <a:r>
-              <a:rPr lang="en-US" sz="800" b="0" dirty="0">
-                <a:solidFill>
-                  <a:schemeClr val="bg1">
-                    <a:lumMod val="75000"/>
-                  </a:schemeClr>
-                </a:solidFill>
-              </a:rPr>
-              <a:t>Photo credit here</a:t>
-            </a:r>
-          </a:p>
-        </p:txBody>
-      </p:sp>
+      </p:pic>
     </p:spTree>
     <p:extLst>
       <p:ext uri="{BB962C8B-B14F-4D97-AF65-F5344CB8AC3E}">
-        <p14:creationId xmlns:p14="http://schemas.microsoft.com/office/powerpoint/2010/main" val="636483058"/>
+        <p14:creationId xmlns:p14="http://schemas.microsoft.com/office/powerpoint/2010/main" val="4110385230"/>
       </p:ext>
     </p:extLst>
   </p:cSld>
@@ -8709,170 +9244,74 @@
       </p:grpSpPr>
       <p:sp>
         <p:nvSpPr>
-          <p:cNvPr id="6" name="Text Placeholder 2">
-            <a:extLst>
-              <a:ext uri="{FF2B5EF4-FFF2-40B4-BE49-F238E27FC236}">
-                <a16:creationId xmlns:a16="http://schemas.microsoft.com/office/drawing/2014/main" id="{807C24DC-0F8A-B743-B739-E410A76676F9}"/>
-              </a:ext>
-            </a:extLst>
-          </p:cNvPr>
+          <p:cNvPr id="2" name="Title 1"/>
           <p:cNvSpPr>
             <a:spLocks noGrp="1"/>
           </p:cNvSpPr>
           <p:nvPr>
-            <p:ph idx="1" hasCustomPrompt="1"/>
-          </p:nvPr>
-        </p:nvSpPr>
-        <p:spPr>
-          <a:xfrm>
-            <a:off x="1168400" y="1690735"/>
+            <p:ph type="ctrTitle"/>
+          </p:nvPr>
+        </p:nvSpPr>
+        <p:spPr>
+          <a:xfrm>
+            <a:off x="1168400" y="1108694"/>
+            <a:ext cx="7365818" cy="699065"/>
+          </a:xfrm>
+        </p:spPr>
+        <p:txBody>
+          <a:bodyPr/>
+          <a:lstStyle/>
+          <a:p>
+            <a:r>
+              <a:rPr lang="en-US" dirty="0"/>
+              <a:t>Click to add engaging text</a:t>
+            </a:r>
+          </a:p>
+        </p:txBody>
+      </p:sp>
+      <p:sp>
+        <p:nvSpPr>
+          <p:cNvPr id="4" name="Content Placeholder 3"/>
+          <p:cNvSpPr>
+            <a:spLocks noGrp="1"/>
+          </p:cNvSpPr>
+          <p:nvPr>
+            <p:ph idx="1"/>
+          </p:nvPr>
+        </p:nvSpPr>
+        <p:spPr>
+          <a:xfrm>
+            <a:off x="1168400" y="1979028"/>
             <a:ext cx="7366018" cy="2810633"/>
           </a:xfrm>
-          <a:prstGeom prst="rect">
-            <a:avLst/>
-          </a:prstGeom>
-        </p:spPr>
-        <p:txBody>
-          <a:bodyPr vert="horz" lIns="91440" tIns="45720" rIns="91440" bIns="45720" rtlCol="0">
-            <a:normAutofit/>
-          </a:bodyPr>
-          <a:lstStyle>
-            <a:lvl1pPr marL="0" marR="0" indent="0" algn="l" defTabSz="457200" rtl="0" eaLnBrk="1" fontAlgn="auto" latinLnBrk="0" hangingPunct="1">
-              <a:lnSpc>
-                <a:spcPct val="100000"/>
-              </a:lnSpc>
-              <a:spcBef>
-                <a:spcPts val="0"/>
-              </a:spcBef>
-              <a:spcAft>
-                <a:spcPts val="1800"/>
-              </a:spcAft>
-              <a:buClr>
-                <a:schemeClr val="tx1">
-                  <a:lumMod val="50000"/>
-                  <a:lumOff val="50000"/>
-                </a:schemeClr>
-              </a:buClr>
-              <a:buSzPct val="100000"/>
-              <a:buFontTx/>
-              <a:buNone/>
-              <a:tabLst/>
-              <a:defRPr sz="2400" i="1" baseline="0">
-                <a:solidFill>
-                  <a:srgbClr val="969696"/>
-                </a:solidFill>
-                <a:latin typeface="Arial"/>
-                <a:cs typeface="Arial"/>
-              </a:defRPr>
-            </a:lvl1pPr>
-            <a:lvl2pPr>
-              <a:lnSpc>
-                <a:spcPct val="100000"/>
-              </a:lnSpc>
-              <a:defRPr sz="1600">
-                <a:solidFill>
-                  <a:srgbClr val="404041"/>
-                </a:solidFill>
-                <a:latin typeface="Arial"/>
-                <a:cs typeface="Arial"/>
-              </a:defRPr>
-            </a:lvl2pPr>
-            <a:lvl3pPr>
-              <a:lnSpc>
-                <a:spcPct val="100000"/>
-              </a:lnSpc>
-              <a:defRPr sz="1600">
-                <a:solidFill>
-                  <a:srgbClr val="404041"/>
-                </a:solidFill>
-                <a:latin typeface="Arial"/>
-                <a:cs typeface="Arial"/>
-              </a:defRPr>
-            </a:lvl3pPr>
-            <a:lvl4pPr>
-              <a:lnSpc>
-                <a:spcPct val="100000"/>
-              </a:lnSpc>
-              <a:defRPr sz="1600">
-                <a:solidFill>
-                  <a:srgbClr val="404041"/>
-                </a:solidFill>
-                <a:latin typeface="Arial"/>
-                <a:cs typeface="Arial"/>
-              </a:defRPr>
-            </a:lvl4pPr>
-            <a:lvl5pPr>
-              <a:lnSpc>
-                <a:spcPct val="100000"/>
-              </a:lnSpc>
-              <a:defRPr sz="1600">
-                <a:solidFill>
-                  <a:srgbClr val="404041"/>
-                </a:solidFill>
-                <a:latin typeface="Arial"/>
-                <a:cs typeface="Arial"/>
-              </a:defRPr>
-            </a:lvl5pPr>
-          </a:lstStyle>
-          <a:p>
-            <a:pPr lvl="0"/>
+        </p:spPr>
+        <p:txBody>
+          <a:bodyPr/>
+          <a:lstStyle/>
+          <a:p>
             <a:r>
               <a:rPr lang="en-US" dirty="0"/>
-              <a:t>Insert a relevant quote here. During the Bicentennial year remember that notable alumni can provide a unique perspective on the accomplishments and successes of your school, department, or unit.</a:t>
-            </a:r>
-            <a:r>
-              <a:rPr lang="en-US" i="0" dirty="0">
-                <a:solidFill>
-                  <a:schemeClr val="tx1"/>
-                </a:solidFill>
-              </a:rPr>
-              <a:t>”</a:t>
-            </a:r>
-          </a:p>
-        </p:txBody>
-      </p:sp>
-      <p:sp>
-        <p:nvSpPr>
-          <p:cNvPr id="2" name="TextBox 1">
-            <a:extLst>
-              <a:ext uri="{FF2B5EF4-FFF2-40B4-BE49-F238E27FC236}">
-                <a16:creationId xmlns:a16="http://schemas.microsoft.com/office/drawing/2014/main" id="{37F744BF-6EA8-AB49-B7D5-1AAAEC98784F}"/>
-              </a:ext>
-            </a:extLst>
-          </p:cNvPr>
-          <p:cNvSpPr txBox="1"/>
-          <p:nvPr/>
-        </p:nvSpPr>
-        <p:spPr>
-          <a:xfrm>
-            <a:off x="-1479395" y="3263590"/>
-            <a:ext cx="0" cy="0"/>
-          </a:xfrm>
-          <a:prstGeom prst="rect">
-            <a:avLst/>
-          </a:prstGeom>
-        </p:spPr>
-        <p:txBody>
-          <a:bodyPr vert="horz" wrap="none" lIns="91440" tIns="45720" rIns="91440" bIns="45720" rtlCol="0" anchor="ctr">
-            <a:noAutofit/>
-          </a:bodyPr>
-          <a:lstStyle/>
-          <a:p>
-            <a:pPr algn="l"/>
-            <a:endParaRPr lang="en-US" sz="800" b="0" dirty="0">
-              <a:solidFill>
-                <a:schemeClr val="bg1">
-                  <a:lumMod val="75000"/>
-                </a:schemeClr>
-              </a:solidFill>
-            </a:endParaRPr>
+              <a:t>Make your concise point here. </a:t>
+            </a:r>
+          </a:p>
+          <a:p>
+            <a:r>
+              <a:rPr lang="en-US" dirty="0"/>
+              <a:t>Slides with multiple paragraphs of text have shown to significantly decrease the attention of the audience.</a:t>
+            </a:r>
+          </a:p>
+          <a:p>
+            <a:r>
+              <a:rPr lang="en-US" dirty="0"/>
+              <a:t>Let your slides breathe—it lets the audience listen to you.</a:t>
+            </a:r>
           </a:p>
         </p:txBody>
       </p:sp>
     </p:spTree>
     <p:extLst>
       <p:ext uri="{BB962C8B-B14F-4D97-AF65-F5344CB8AC3E}">
-        <p14:creationId xmlns:p14="http://schemas.microsoft.com/office/powerpoint/2010/main" val="1131098084"/>
+        <p14:creationId xmlns:p14="http://schemas.microsoft.com/office/powerpoint/2010/main" val="2144012005"/>
       </p:ext>
     </p:extLst>
   </p:cSld>
@@ -8901,10 +9340,10 @@
       </p:grpSpPr>
       <p:sp>
         <p:nvSpPr>
-          <p:cNvPr id="21" name="Content Placeholder 1">
+          <p:cNvPr id="3" name="Picture Placeholder 2">
             <a:extLst>
               <a:ext uri="{FF2B5EF4-FFF2-40B4-BE49-F238E27FC236}">
-                <a16:creationId xmlns:a16="http://schemas.microsoft.com/office/drawing/2014/main" id="{537C6F04-B65D-8D4F-9F65-22BF07FDF04A}"/>
+                <a16:creationId xmlns:a16="http://schemas.microsoft.com/office/drawing/2014/main" id="{AC216FC4-BDF6-AE41-A2F8-B6C617EC0F06}"/>
               </a:ext>
             </a:extLst>
           </p:cNvPr>
@@ -8912,67 +9351,73 @@
             <a:spLocks noGrp="1"/>
           </p:cNvSpPr>
           <p:nvPr>
-            <p:ph idx="1"/>
-          </p:nvPr>
-        </p:nvSpPr>
-        <p:spPr>
-          <a:xfrm>
-            <a:off x="1168400" y="2363981"/>
-            <a:ext cx="2104483" cy="2177659"/>
-          </a:xfrm>
-        </p:spPr>
-        <p:txBody>
-          <a:bodyPr/>
-          <a:lstStyle/>
-          <a:p>
-            <a:pPr lvl="0"/>
-            <a:r>
-              <a:rPr lang="en-US" dirty="0"/>
-              <a:t>Click to add text about this notable year in your school, department, or unit’s history. Add relevant historical context or content if it is appropriate.</a:t>
-            </a:r>
-          </a:p>
-        </p:txBody>
-      </p:sp>
-      <p:sp>
-        <p:nvSpPr>
-          <p:cNvPr id="25" name="Content Placeholder 2">
+            <p:ph type="pic" sz="quarter" idx="10"/>
+          </p:nvPr>
+        </p:nvSpPr>
+        <p:spPr>
+          <a:xfrm>
+            <a:off x="5757332" y="962981"/>
+            <a:ext cx="3097247" cy="3217539"/>
+          </a:xfrm>
+        </p:spPr>
+      </p:sp>
+      <p:sp>
+        <p:nvSpPr>
+          <p:cNvPr id="10" name="Title 1">
             <a:extLst>
               <a:ext uri="{FF2B5EF4-FFF2-40B4-BE49-F238E27FC236}">
-                <a16:creationId xmlns:a16="http://schemas.microsoft.com/office/drawing/2014/main" id="{552730EB-909B-BF45-80B0-EE2F78B95B43}"/>
+                <a16:creationId xmlns:a16="http://schemas.microsoft.com/office/drawing/2014/main" id="{AE8F6B4B-DCF9-424D-98F1-08169A9C508C}"/>
               </a:ext>
             </a:extLst>
           </p:cNvPr>
-          <p:cNvSpPr>
-            <a:spLocks noGrp="1"/>
-          </p:cNvSpPr>
-          <p:nvPr>
-            <p:ph idx="11"/>
-          </p:nvPr>
-        </p:nvSpPr>
-        <p:spPr>
-          <a:xfrm>
-            <a:off x="3519758" y="2363982"/>
-            <a:ext cx="2104483" cy="2171644"/>
-          </a:xfrm>
-        </p:spPr>
-        <p:txBody>
-          <a:bodyPr/>
-          <a:lstStyle/>
-          <a:p>
-            <a:pPr lvl="0"/>
+          <p:cNvSpPr txBox="1">
+            <a:spLocks/>
+          </p:cNvSpPr>
+          <p:nvPr/>
+        </p:nvSpPr>
+        <p:spPr>
+          <a:xfrm>
+            <a:off x="1090862" y="962981"/>
+            <a:ext cx="4166937" cy="484819"/>
+          </a:xfrm>
+          <a:prstGeom prst="rect">
+            <a:avLst/>
+          </a:prstGeom>
+        </p:spPr>
+        <p:txBody>
+          <a:bodyPr vert="horz" lIns="91440" tIns="45720" rIns="91440" bIns="45720" rtlCol="0" anchor="ctr">
+            <a:noAutofit/>
+          </a:bodyPr>
+          <a:lstStyle>
+            <a:lvl1pPr algn="l" defTabSz="457200" rtl="0" eaLnBrk="1" latinLnBrk="0" hangingPunct="1">
+              <a:spcBef>
+                <a:spcPct val="0"/>
+              </a:spcBef>
+              <a:buNone/>
+              <a:defRPr sz="3000" b="1" i="0" kern="100" spc="0">
+                <a:solidFill>
+                  <a:srgbClr val="404041"/>
+                </a:solidFill>
+                <a:latin typeface="Arial"/>
+                <a:ea typeface="+mj-ea"/>
+                <a:cs typeface="Arial"/>
+              </a:defRPr>
+            </a:lvl1pPr>
+          </a:lstStyle>
+          <a:p>
             <a:r>
               <a:rPr lang="en-US" dirty="0"/>
-              <a:t>Click to add text about this notable year in your school, department, or unit’s history. Add relevant historical context or content if it is appropriate.</a:t>
-            </a:r>
-          </a:p>
-        </p:txBody>
-      </p:sp>
-      <p:sp>
-        <p:nvSpPr>
-          <p:cNvPr id="26" name="Content Placeholder 3">
+              <a:t>Click to add headline</a:t>
+            </a:r>
+          </a:p>
+        </p:txBody>
+      </p:sp>
+      <p:sp>
+        <p:nvSpPr>
+          <p:cNvPr id="11" name="Content Placeholder 2">
             <a:extLst>
               <a:ext uri="{FF2B5EF4-FFF2-40B4-BE49-F238E27FC236}">
-                <a16:creationId xmlns:a16="http://schemas.microsoft.com/office/drawing/2014/main" id="{0503FCB5-3C62-8E4A-A8D4-DAF792CCD7D9}"/>
+                <a16:creationId xmlns:a16="http://schemas.microsoft.com/office/drawing/2014/main" id="{F90466BA-A8B9-BE45-B36D-76682E2BFEFC}"/>
               </a:ext>
             </a:extLst>
           </p:cNvPr>
@@ -8980,229 +9425,115 @@
             <a:spLocks noGrp="1"/>
           </p:cNvSpPr>
           <p:nvPr>
-            <p:ph idx="12"/>
-          </p:nvPr>
-        </p:nvSpPr>
-        <p:spPr>
-          <a:xfrm>
-            <a:off x="5871117" y="2363983"/>
-            <a:ext cx="2104483" cy="2171643"/>
-          </a:xfrm>
-        </p:spPr>
-        <p:txBody>
-          <a:bodyPr/>
+            <p:ph idx="1"/>
+          </p:nvPr>
+        </p:nvSpPr>
+        <p:spPr>
+          <a:xfrm>
+            <a:off x="1090863" y="1684868"/>
+            <a:ext cx="4251604" cy="2495652"/>
+          </a:xfrm>
+        </p:spPr>
+        <p:txBody>
+          <a:bodyPr>
+            <a:normAutofit fontScale="92500"/>
+          </a:bodyPr>
           <a:lstStyle/>
           <a:p>
-            <a:pPr lvl="0"/>
             <a:r>
               <a:rPr lang="en-US" dirty="0"/>
-              <a:t>Click to add text about this notable year in your school, department, or unit’s history. </a:t>
-            </a:r>
-            <a:r>
-              <a:rPr lang="en-US"/>
-              <a:t>Add relevant historical context or content if it is appropriate.</a:t>
+              <a:t>Keep your message </a:t>
+            </a:r>
+            <a:r>
+              <a:rPr lang="en-US" b="1" dirty="0"/>
+              <a:t>short</a:t>
+            </a:r>
+            <a:r>
+              <a:rPr lang="en-US" dirty="0"/>
+              <a:t> and </a:t>
+            </a:r>
+            <a:r>
+              <a:rPr lang="en-US" b="1" dirty="0"/>
+              <a:t>concise</a:t>
+            </a:r>
+            <a:r>
+              <a:rPr lang="en-US" dirty="0"/>
+              <a:t>. No one wants to read a PowerPoint that rivals </a:t>
+            </a:r>
+            <a:r>
+              <a:rPr lang="en-US" i="1" dirty="0"/>
+              <a:t>War and Peace.</a:t>
             </a:r>
             <a:endParaRPr lang="en-US" dirty="0"/>
           </a:p>
-        </p:txBody>
-      </p:sp>
-      <p:sp>
-        <p:nvSpPr>
-          <p:cNvPr id="27" name="Title 1">
+          <a:p>
+            <a:r>
+              <a:rPr lang="en-US" dirty="0"/>
+              <a:t>Use color, size, and weight to add emphasis.</a:t>
+            </a:r>
+          </a:p>
+          <a:p>
+            <a:r>
+              <a:rPr lang="en-US" dirty="0"/>
+              <a:t>Add images that support your content.</a:t>
+            </a:r>
+          </a:p>
+        </p:txBody>
+      </p:sp>
+      <p:sp>
+        <p:nvSpPr>
+          <p:cNvPr id="5" name="Title Placeholder 1">
             <a:extLst>
               <a:ext uri="{FF2B5EF4-FFF2-40B4-BE49-F238E27FC236}">
-                <a16:creationId xmlns:a16="http://schemas.microsoft.com/office/drawing/2014/main" id="{E25BE10C-842C-1749-80D6-F7B239EF0316}"/>
+                <a16:creationId xmlns:a16="http://schemas.microsoft.com/office/drawing/2014/main" id="{58E12EB7-87AA-2B4B-9CF6-D411FB141B4F}"/>
               </a:ext>
             </a:extLst>
           </p:cNvPr>
-          <p:cNvSpPr>
-            <a:spLocks noGrp="1"/>
-          </p:cNvSpPr>
-          <p:nvPr>
-            <p:ph type="ctrTitle"/>
-          </p:nvPr>
-        </p:nvSpPr>
-        <p:spPr>
-          <a:xfrm>
-            <a:off x="1134532" y="946047"/>
-            <a:ext cx="7365818" cy="699065"/>
-          </a:xfrm>
-        </p:spPr>
-        <p:txBody>
-          <a:bodyPr/>
-          <a:lstStyle/>
-          <a:p>
-            <a:r>
-              <a:rPr lang="en-US" dirty="0"/>
-              <a:t>Click to edit timeline title style</a:t>
-            </a:r>
-          </a:p>
-        </p:txBody>
-      </p:sp>
-      <p:sp>
-        <p:nvSpPr>
-          <p:cNvPr id="28" name="TextBox 27">
-            <a:extLst>
-              <a:ext uri="{FF2B5EF4-FFF2-40B4-BE49-F238E27FC236}">
-                <a16:creationId xmlns:a16="http://schemas.microsoft.com/office/drawing/2014/main" id="{33AAAD77-376C-0945-AA3F-C853C017E7DF}"/>
-              </a:ext>
-            </a:extLst>
-          </p:cNvPr>
-          <p:cNvSpPr txBox="1"/>
+          <p:cNvSpPr txBox="1">
+            <a:spLocks/>
+          </p:cNvSpPr>
           <p:nvPr/>
         </p:nvSpPr>
         <p:spPr>
           <a:xfrm>
-            <a:off x="1151466" y="1689885"/>
-            <a:ext cx="2104483" cy="369332"/>
+            <a:off x="5564910" y="4755430"/>
+            <a:ext cx="3289669" cy="164913"/>
           </a:xfrm>
           <a:prstGeom prst="rect">
             <a:avLst/>
           </a:prstGeom>
-          <a:noFill/>
-        </p:spPr>
-        <p:txBody>
-          <a:bodyPr wrap="square" rtlCol="0">
-            <a:spAutoFit/>
+        </p:spPr>
+        <p:txBody>
+          <a:bodyPr vert="horz" lIns="91440" tIns="45720" rIns="91440" bIns="45720" rtlCol="0" anchor="ctr">
+            <a:noAutofit/>
           </a:bodyPr>
-          <a:lstStyle/>
-          <a:p>
-            <a:pPr marL="0" marR="0" lvl="0" indent="0" algn="l" defTabSz="457200" rtl="0" eaLnBrk="1" fontAlgn="auto" latinLnBrk="0" hangingPunct="1">
-              <a:lnSpc>
-                <a:spcPct val="100000"/>
-              </a:lnSpc>
+          <a:lstStyle>
+            <a:lvl1pPr algn="l" defTabSz="457200" rtl="0" eaLnBrk="1" latinLnBrk="0" hangingPunct="1">
               <a:spcBef>
-                <a:spcPts val="0"/>
+                <a:spcPct val="0"/>
               </a:spcBef>
-              <a:spcAft>
-                <a:spcPts val="0"/>
-              </a:spcAft>
-              <a:buClrTx/>
-              <a:buSzTx/>
-              <a:buFontTx/>
               <a:buNone/>
-              <a:tabLst/>
-              <a:defRPr/>
-            </a:pPr>
-            <a:r>
-              <a:rPr lang="en-US" b="1" dirty="0">
-                <a:solidFill>
-                  <a:srgbClr val="A6A6A6"/>
+              <a:defRPr sz="3000" b="1" i="0" kern="100" spc="0">
+                <a:solidFill>
+                  <a:srgbClr val="404041"/>
+                </a:solidFill>
+                <a:latin typeface="Arial"/>
+                <a:ea typeface="+mj-ea"/>
+                <a:cs typeface="Arial"/>
+              </a:defRPr>
+            </a:lvl1pPr>
+          </a:lstStyle>
+          <a:p>
+            <a:pPr algn="r"/>
+            <a:r>
+              <a:rPr lang="en-US" sz="800" b="0" dirty="0">
+                <a:solidFill>
+                  <a:schemeClr val="bg1">
+                    <a:lumMod val="75000"/>
+                  </a:schemeClr>
                 </a:solidFill>
               </a:rPr>
-              <a:t>Year</a:t>
-            </a:r>
-          </a:p>
-        </p:txBody>
-      </p:sp>
-      <p:sp>
-        <p:nvSpPr>
-          <p:cNvPr id="29" name="TextBox 28">
-            <a:extLst>
-              <a:ext uri="{FF2B5EF4-FFF2-40B4-BE49-F238E27FC236}">
-                <a16:creationId xmlns:a16="http://schemas.microsoft.com/office/drawing/2014/main" id="{0C079F84-7463-5E4B-998D-937948DB36B3}"/>
-              </a:ext>
-            </a:extLst>
-          </p:cNvPr>
-          <p:cNvSpPr txBox="1"/>
-          <p:nvPr/>
-        </p:nvSpPr>
-        <p:spPr>
-          <a:xfrm>
-            <a:off x="3502825" y="1689885"/>
-            <a:ext cx="2104483" cy="369332"/>
-          </a:xfrm>
-          <a:prstGeom prst="rect">
-            <a:avLst/>
-          </a:prstGeom>
-          <a:noFill/>
-        </p:spPr>
-        <p:txBody>
-          <a:bodyPr wrap="square" rtlCol="0">
-            <a:spAutoFit/>
-          </a:bodyPr>
-          <a:lstStyle/>
-          <a:p>
-            <a:pPr marL="0" marR="0" lvl="0" indent="0" algn="l" defTabSz="457200" rtl="0" eaLnBrk="1" fontAlgn="auto" latinLnBrk="0" hangingPunct="1">
-              <a:lnSpc>
-                <a:spcPct val="100000"/>
-              </a:lnSpc>
-              <a:spcBef>
-                <a:spcPts val="0"/>
-              </a:spcBef>
-              <a:spcAft>
-                <a:spcPts val="0"/>
-              </a:spcAft>
-              <a:buClrTx/>
-              <a:buSzTx/>
-              <a:buFontTx/>
-              <a:buNone/>
-              <a:tabLst/>
-              <a:defRPr/>
-            </a:pPr>
-            <a:r>
-              <a:rPr lang="en-US" b="1" dirty="0">
-                <a:solidFill>
-                  <a:srgbClr val="A6A6A6"/>
-                </a:solidFill>
-              </a:rPr>
-              <a:t>Year</a:t>
-            </a:r>
-          </a:p>
-        </p:txBody>
-      </p:sp>
-      <p:sp>
-        <p:nvSpPr>
-          <p:cNvPr id="30" name="TextBox 29">
-            <a:extLst>
-              <a:ext uri="{FF2B5EF4-FFF2-40B4-BE49-F238E27FC236}">
-                <a16:creationId xmlns:a16="http://schemas.microsoft.com/office/drawing/2014/main" id="{DEB7CCEB-BE86-D84E-95EF-0604C0037456}"/>
-              </a:ext>
-            </a:extLst>
-          </p:cNvPr>
-          <p:cNvSpPr txBox="1"/>
-          <p:nvPr/>
-        </p:nvSpPr>
-        <p:spPr>
-          <a:xfrm>
-            <a:off x="5854184" y="1689885"/>
-            <a:ext cx="2104483" cy="369332"/>
-          </a:xfrm>
-          <a:prstGeom prst="rect">
-            <a:avLst/>
-          </a:prstGeom>
-          <a:noFill/>
-        </p:spPr>
-        <p:txBody>
-          <a:bodyPr wrap="square" rtlCol="0">
-            <a:spAutoFit/>
-          </a:bodyPr>
-          <a:lstStyle/>
-          <a:p>
-            <a:pPr marL="0" marR="0" lvl="0" indent="0" algn="l" defTabSz="457200" rtl="0" eaLnBrk="1" fontAlgn="auto" latinLnBrk="0" hangingPunct="1">
-              <a:lnSpc>
-                <a:spcPct val="100000"/>
-              </a:lnSpc>
-              <a:spcBef>
-                <a:spcPts val="0"/>
-              </a:spcBef>
-              <a:spcAft>
-                <a:spcPts val="0"/>
-              </a:spcAft>
-              <a:buClrTx/>
-              <a:buSzTx/>
-              <a:buFontTx/>
-              <a:buNone/>
-              <a:tabLst/>
-              <a:defRPr/>
-            </a:pPr>
-            <a:r>
-              <a:rPr lang="en-US" b="1" dirty="0">
-                <a:solidFill>
-                  <a:srgbClr val="A6A6A6"/>
-                </a:solidFill>
-              </a:rPr>
-              <a:t>Year</a:t>
+              <a:t>Photo credit here</a:t>
             </a:r>
           </a:p>
         </p:txBody>
@@ -9210,7 +9541,7 @@
     </p:spTree>
     <p:extLst>
       <p:ext uri="{BB962C8B-B14F-4D97-AF65-F5344CB8AC3E}">
-        <p14:creationId xmlns:p14="http://schemas.microsoft.com/office/powerpoint/2010/main" val="23824193"/>
+        <p14:creationId xmlns:p14="http://schemas.microsoft.com/office/powerpoint/2010/main" val="636483058"/>
       </p:ext>
     </p:extLst>
   </p:cSld>
@@ -9239,10 +9570,10 @@
       </p:grpSpPr>
       <p:sp>
         <p:nvSpPr>
-          <p:cNvPr id="2" name="Picture Placeholder 1">
+          <p:cNvPr id="6" name="Text Placeholder 2">
             <a:extLst>
               <a:ext uri="{FF2B5EF4-FFF2-40B4-BE49-F238E27FC236}">
-                <a16:creationId xmlns:a16="http://schemas.microsoft.com/office/drawing/2014/main" id="{0971D689-2A42-C644-95AE-13F03C4EE918}"/>
+                <a16:creationId xmlns:a16="http://schemas.microsoft.com/office/drawing/2014/main" id="{807C24DC-0F8A-B743-B739-E410A76676F9}"/>
               </a:ext>
             </a:extLst>
           </p:cNvPr>
@@ -9250,131 +9581,150 @@
             <a:spLocks noGrp="1"/>
           </p:cNvSpPr>
           <p:nvPr>
-            <p:ph type="pic" sz="quarter" idx="10"/>
-          </p:nvPr>
-        </p:nvSpPr>
-        <p:spPr/>
-      </p:sp>
-      <p:sp>
-        <p:nvSpPr>
-          <p:cNvPr id="10" name="Title Placeholder 1">
+            <p:ph idx="1" hasCustomPrompt="1"/>
+          </p:nvPr>
+        </p:nvSpPr>
+        <p:spPr>
+          <a:xfrm>
+            <a:off x="1168400" y="1690735"/>
+            <a:ext cx="7366018" cy="2810633"/>
+          </a:xfrm>
+          <a:prstGeom prst="rect">
+            <a:avLst/>
+          </a:prstGeom>
+        </p:spPr>
+        <p:txBody>
+          <a:bodyPr vert="horz" lIns="91440" tIns="45720" rIns="91440" bIns="45720" rtlCol="0">
+            <a:normAutofit/>
+          </a:bodyPr>
+          <a:lstStyle>
+            <a:lvl1pPr marL="0" marR="0" indent="0" algn="l" defTabSz="457200" rtl="0" eaLnBrk="1" fontAlgn="auto" latinLnBrk="0" hangingPunct="1">
+              <a:lnSpc>
+                <a:spcPct val="100000"/>
+              </a:lnSpc>
+              <a:spcBef>
+                <a:spcPts val="0"/>
+              </a:spcBef>
+              <a:spcAft>
+                <a:spcPts val="1800"/>
+              </a:spcAft>
+              <a:buClr>
+                <a:schemeClr val="tx1">
+                  <a:lumMod val="50000"/>
+                  <a:lumOff val="50000"/>
+                </a:schemeClr>
+              </a:buClr>
+              <a:buSzPct val="100000"/>
+              <a:buFontTx/>
+              <a:buNone/>
+              <a:tabLst/>
+              <a:defRPr sz="2400" i="1" baseline="0">
+                <a:solidFill>
+                  <a:srgbClr val="969696"/>
+                </a:solidFill>
+                <a:latin typeface="Arial"/>
+                <a:cs typeface="Arial"/>
+              </a:defRPr>
+            </a:lvl1pPr>
+            <a:lvl2pPr>
+              <a:lnSpc>
+                <a:spcPct val="100000"/>
+              </a:lnSpc>
+              <a:defRPr sz="1600">
+                <a:solidFill>
+                  <a:srgbClr val="404041"/>
+                </a:solidFill>
+                <a:latin typeface="Arial"/>
+                <a:cs typeface="Arial"/>
+              </a:defRPr>
+            </a:lvl2pPr>
+            <a:lvl3pPr>
+              <a:lnSpc>
+                <a:spcPct val="100000"/>
+              </a:lnSpc>
+              <a:defRPr sz="1600">
+                <a:solidFill>
+                  <a:srgbClr val="404041"/>
+                </a:solidFill>
+                <a:latin typeface="Arial"/>
+                <a:cs typeface="Arial"/>
+              </a:defRPr>
+            </a:lvl3pPr>
+            <a:lvl4pPr>
+              <a:lnSpc>
+                <a:spcPct val="100000"/>
+              </a:lnSpc>
+              <a:defRPr sz="1600">
+                <a:solidFill>
+                  <a:srgbClr val="404041"/>
+                </a:solidFill>
+                <a:latin typeface="Arial"/>
+                <a:cs typeface="Arial"/>
+              </a:defRPr>
+            </a:lvl4pPr>
+            <a:lvl5pPr>
+              <a:lnSpc>
+                <a:spcPct val="100000"/>
+              </a:lnSpc>
+              <a:defRPr sz="1600">
+                <a:solidFill>
+                  <a:srgbClr val="404041"/>
+                </a:solidFill>
+                <a:latin typeface="Arial"/>
+                <a:cs typeface="Arial"/>
+              </a:defRPr>
+            </a:lvl5pPr>
+          </a:lstStyle>
+          <a:p>
+            <a:pPr lvl="0"/>
+            <a:r>
+              <a:rPr lang="en-US" dirty="0"/>
+              <a:t>Insert a relevant quote here. During the Bicentennial year remember that notable alumni can provide a unique perspective on the accomplishments and successes of your school, department, or unit.</a:t>
+            </a:r>
+            <a:r>
+              <a:rPr lang="en-US" i="0" dirty="0">
+                <a:solidFill>
+                  <a:schemeClr val="tx1"/>
+                </a:solidFill>
+              </a:rPr>
+              <a:t>”</a:t>
+            </a:r>
+          </a:p>
+        </p:txBody>
+      </p:sp>
+      <p:sp>
+        <p:nvSpPr>
+          <p:cNvPr id="2" name="TextBox 1">
             <a:extLst>
               <a:ext uri="{FF2B5EF4-FFF2-40B4-BE49-F238E27FC236}">
-                <a16:creationId xmlns:a16="http://schemas.microsoft.com/office/drawing/2014/main" id="{A2351E0E-8A83-2541-B390-E004A90F8C4D}"/>
+                <a16:creationId xmlns:a16="http://schemas.microsoft.com/office/drawing/2014/main" id="{37F744BF-6EA8-AB49-B7D5-1AAAEC98784F}"/>
               </a:ext>
             </a:extLst>
           </p:cNvPr>
-          <p:cNvSpPr txBox="1">
-            <a:spLocks/>
-          </p:cNvSpPr>
+          <p:cNvSpPr txBox="1"/>
           <p:nvPr/>
         </p:nvSpPr>
         <p:spPr>
           <a:xfrm>
-            <a:off x="6980662" y="3216562"/>
-            <a:ext cx="1576039" cy="113936"/>
+            <a:off x="-1479395" y="3263590"/>
+            <a:ext cx="0" cy="0"/>
           </a:xfrm>
           <a:prstGeom prst="rect">
             <a:avLst/>
           </a:prstGeom>
         </p:spPr>
         <p:txBody>
-          <a:bodyPr vert="horz" lIns="91440" tIns="45720" rIns="91440" bIns="45720" rtlCol="0" anchor="ctr">
+          <a:bodyPr vert="horz" wrap="none" lIns="91440" tIns="45720" rIns="91440" bIns="45720" rtlCol="0" anchor="ctr">
             <a:noAutofit/>
           </a:bodyPr>
-          <a:lstStyle>
-            <a:lvl1pPr algn="l" defTabSz="457200" rtl="0" eaLnBrk="1" latinLnBrk="0" hangingPunct="1">
-              <a:spcBef>
-                <a:spcPct val="0"/>
-              </a:spcBef>
-              <a:buNone/>
-              <a:defRPr sz="3000" b="1" i="0" kern="100" spc="0">
-                <a:solidFill>
-                  <a:srgbClr val="404041"/>
-                </a:solidFill>
-                <a:latin typeface="Arial"/>
-                <a:ea typeface="+mj-ea"/>
-                <a:cs typeface="Arial"/>
-              </a:defRPr>
-            </a:lvl1pPr>
-          </a:lstStyle>
-          <a:p>
-            <a:r>
-              <a:rPr lang="en-US" sz="800" b="0" dirty="0">
-                <a:solidFill>
-                  <a:schemeClr val="bg1">
-                    <a:lumMod val="75000"/>
-                  </a:schemeClr>
-                </a:solidFill>
-              </a:rPr>
-              <a:t>Photo credit here</a:t>
-            </a:r>
-          </a:p>
-        </p:txBody>
-      </p:sp>
-      <p:sp>
-        <p:nvSpPr>
-          <p:cNvPr id="12" name="Title Placeholder 1">
-            <a:extLst>
-              <a:ext uri="{FF2B5EF4-FFF2-40B4-BE49-F238E27FC236}">
-                <a16:creationId xmlns:a16="http://schemas.microsoft.com/office/drawing/2014/main" id="{DF84C7BC-D6D0-534E-8712-105AA91C45DE}"/>
-              </a:ext>
-            </a:extLst>
-          </p:cNvPr>
-          <p:cNvSpPr txBox="1">
-            <a:spLocks/>
-          </p:cNvSpPr>
-          <p:nvPr/>
-        </p:nvSpPr>
-        <p:spPr>
-          <a:xfrm>
-            <a:off x="6980662" y="1926937"/>
-            <a:ext cx="1650382" cy="1158233"/>
-          </a:xfrm>
-          <a:prstGeom prst="rect">
-            <a:avLst/>
-          </a:prstGeom>
-        </p:spPr>
-        <p:txBody>
-          <a:bodyPr vert="horz" lIns="91440" tIns="45720" rIns="91440" bIns="45720" rtlCol="0" anchor="ctr">
-            <a:noAutofit/>
-          </a:bodyPr>
-          <a:lstStyle>
-            <a:lvl1pPr algn="l" defTabSz="457200" rtl="0" eaLnBrk="1" latinLnBrk="0" hangingPunct="1">
-              <a:spcBef>
-                <a:spcPct val="0"/>
-              </a:spcBef>
-              <a:buNone/>
-              <a:defRPr sz="3000" b="1" i="0" kern="100" spc="0">
-                <a:solidFill>
-                  <a:srgbClr val="404041"/>
-                </a:solidFill>
-                <a:latin typeface="Arial"/>
-                <a:ea typeface="+mj-ea"/>
-                <a:cs typeface="Arial"/>
-              </a:defRPr>
-            </a:lvl1pPr>
-          </a:lstStyle>
-          <a:p>
-            <a:r>
-              <a:rPr lang="en-US" sz="1000" b="0" dirty="0">
-                <a:solidFill>
-                  <a:schemeClr val="tx1"/>
-                </a:solidFill>
-              </a:rPr>
-              <a:t>Photo caption can be entered here to the desired length. Tell people about the historical significance of the image or point out relevant pieces </a:t>
-            </a:r>
-            <a:r>
-              <a:rPr lang="en-US" sz="1000" b="0">
-                <a:solidFill>
-                  <a:schemeClr val="tx1"/>
-                </a:solidFill>
-              </a:rPr>
-              <a:t>of information.</a:t>
-            </a:r>
-            <a:endParaRPr lang="en-US" sz="1000" b="0" dirty="0">
+          <a:lstStyle/>
+          <a:p>
+            <a:pPr algn="l"/>
+            <a:endParaRPr lang="en-US" sz="800" b="0" dirty="0">
               <a:solidFill>
-                <a:schemeClr val="tx1"/>
+                <a:schemeClr val="bg1">
+                  <a:lumMod val="75000"/>
+                </a:schemeClr>
               </a:solidFill>
             </a:endParaRPr>
           </a:p>
@@ -9383,7 +9733,7 @@
     </p:spTree>
     <p:extLst>
       <p:ext uri="{BB962C8B-B14F-4D97-AF65-F5344CB8AC3E}">
-        <p14:creationId xmlns:p14="http://schemas.microsoft.com/office/powerpoint/2010/main" val="2694088116"/>
+        <p14:creationId xmlns:p14="http://schemas.microsoft.com/office/powerpoint/2010/main" val="1131098084"/>
       </p:ext>
     </p:extLst>
   </p:cSld>
@@ -10383,6 +10733,15 @@
 </file>
 
 <file path=customXml/item2.xml><?xml version="1.0" encoding="utf-8"?>
+<p:properties xmlns:p="http://schemas.microsoft.com/office/2006/metadata/properties" xmlns:xsi="http://www.w3.org/2001/XMLSchema-instance" xmlns:pc="http://schemas.microsoft.com/office/infopath/2007/PartnerControls">
+  <documentManagement>
+    <_Version xmlns="http://schemas.microsoft.com/sharepoint/v3/fields" xsi:nil="true"/>
+    <_Status xmlns="http://schemas.microsoft.com/sharepoint/v3/fields">Not Started</_Status>
+  </documentManagement>
+</p:properties>
+</file>
+
+<file path=customXml/item3.xml><?xml version="1.0" encoding="utf-8"?>
 <ct:contentTypeSchema xmlns:ct="http://schemas.microsoft.com/office/2006/metadata/contentType" xmlns:ma="http://schemas.microsoft.com/office/2006/metadata/properties/metaAttributes" ct:_="" ma:_="" ma:contentTypeName="Document" ma:contentTypeID="0x0101000DE64AEEDD9B7A4D93545ACBE97D4615" ma:contentTypeVersion="2" ma:contentTypeDescription="Create a new document." ma:contentTypeScope="" ma:versionID="f49002b78e3a4a71b814eef46a983816">
   <xsd:schema xmlns:xsd="http://www.w3.org/2001/XMLSchema" xmlns:xs="http://www.w3.org/2001/XMLSchema" xmlns:p="http://schemas.microsoft.com/office/2006/metadata/properties" xmlns:ns2="http://schemas.microsoft.com/sharepoint/v3/fields" targetNamespace="http://schemas.microsoft.com/office/2006/metadata/properties" ma:root="true" ma:fieldsID="38f6db2dd0d9a0cf6a8dc37be32b365b" ns2:_="">
     <xsd:import namespace="http://schemas.microsoft.com/sharepoint/v3/fields"/>
@@ -10526,15 +10885,6 @@
 </ct:contentTypeSchema>
 </file>
 
-<file path=customXml/item3.xml><?xml version="1.0" encoding="utf-8"?>
-<p:properties xmlns:p="http://schemas.microsoft.com/office/2006/metadata/properties" xmlns:xsi="http://www.w3.org/2001/XMLSchema-instance" xmlns:pc="http://schemas.microsoft.com/office/infopath/2007/PartnerControls">
-  <documentManagement>
-    <_Version xmlns="http://schemas.microsoft.com/sharepoint/v3/fields" xsi:nil="true"/>
-    <_Status xmlns="http://schemas.microsoft.com/sharepoint/v3/fields">Not Started</_Status>
-  </documentManagement>
-</p:properties>
-</file>
-
 <file path=customXml/itemProps1.xml><?xml version="1.0" encoding="utf-8"?>
 <ds:datastoreItem xmlns:ds="http://schemas.openxmlformats.org/officeDocument/2006/customXml" ds:itemID="{87D2A1B0-FF3E-4009-940D-AED0EB70AA20}">
   <ds:schemaRefs>
@@ -10544,6 +10894,16 @@
 </file>
 
 <file path=customXml/itemProps2.xml><?xml version="1.0" encoding="utf-8"?>
+<ds:datastoreItem xmlns:ds="http://schemas.openxmlformats.org/officeDocument/2006/customXml" ds:itemID="{7B6F2769-7194-4217-93D3-3AF3A4742282}">
+  <ds:schemaRefs>
+    <ds:schemaRef ds:uri="http://schemas.microsoft.com/office/2006/metadata/properties"/>
+    <ds:schemaRef ds:uri="http://schemas.microsoft.com/office/infopath/2007/PartnerControls"/>
+    <ds:schemaRef ds:uri="http://schemas.microsoft.com/sharepoint/v3/fields"/>
+  </ds:schemaRefs>
+</ds:datastoreItem>
+</file>
+
+<file path=customXml/itemProps3.xml><?xml version="1.0" encoding="utf-8"?>
 <ds:datastoreItem xmlns:ds="http://schemas.openxmlformats.org/officeDocument/2006/customXml" ds:itemID="{E4214858-785C-42F7-BE66-6D0E79395FC8}">
   <ds:schemaRefs>
     <ds:schemaRef ds:uri="http://schemas.microsoft.com/office/2006/metadata/contentType"/>
@@ -10559,14 +10919,4 @@
     <ds:schemaRef ds:uri="http://schemas.microsoft.com/internal/obd"/>
   </ds:schemaRefs>
 </ds:datastoreItem>
-</file>
-
-<file path=customXml/itemProps3.xml><?xml version="1.0" encoding="utf-8"?>
-<ds:datastoreItem xmlns:ds="http://schemas.openxmlformats.org/officeDocument/2006/customXml" ds:itemID="{7B6F2769-7194-4217-93D3-3AF3A4742282}">
-  <ds:schemaRefs>
-    <ds:schemaRef ds:uri="http://schemas.microsoft.com/office/2006/metadata/properties"/>
-    <ds:schemaRef ds:uri="http://schemas.microsoft.com/office/infopath/2007/PartnerControls"/>
-    <ds:schemaRef ds:uri="http://schemas.microsoft.com/sharepoint/v3/fields"/>
-  </ds:schemaRefs>
-</ds:datastoreItem>
 </file>